--- a/documents/Zeldiablo_muller742u_Huet41u_Bouillo15u_etchevar1u.pptx
+++ b/documents/Zeldiablo_muller742u_Huet41u_Bouillo15u_etchevar1u.pptx
@@ -110,6 +110,11 @@
       </a:defRPr>
     </a:lvl9pPr>
   </p:defaultTextStyle>
+  <p:extLst>
+    <p:ext uri="{EFAFB233-063F-42B5-8137-9DF3F51BA10A}">
+      <p15:sldGuideLst xmlns:p15="http://schemas.microsoft.com/office/powerpoint/2012/main"/>
+    </p:ext>
+  </p:extLst>
 </p:presentation>
 </file>
 
@@ -17684,13 +17689,13 @@
   <p:clrMapOvr>
     <a:masterClrMapping/>
   </p:clrMapOvr>
-  <mc:AlternateContent xmlns:mc="http://schemas.openxmlformats.org/markup-compatibility/2006">
-    <mc:Choice xmlns:p159="http://schemas.microsoft.com/office/powerpoint/2015/09/main" Requires="p159">
+  <mc:AlternateContent xmlns:mc="http://schemas.openxmlformats.org/markup-compatibility/2006" xmlns:p159="http://schemas.microsoft.com/office/powerpoint/2015/09/main">
+    <mc:Choice Requires="p159">
       <p:transition xmlns:p14="http://schemas.microsoft.com/office/powerpoint/2010/main" spd="slow" p14:dur="2000">
         <p159:morph option="byObject"/>
       </p:transition>
     </mc:Choice>
-    <mc:Fallback>
+    <mc:Fallback xmlns="">
       <p:transition spd="slow">
         <p:fade/>
       </p:transition>
@@ -17702,6 +17707,14 @@
 <file path=ppt/slides/slide3.xml><?xml version="1.0" encoding="utf-8"?>
 <p:sld xmlns:a="http://schemas.openxmlformats.org/drawingml/2006/main" xmlns:r="http://schemas.openxmlformats.org/officeDocument/2006/relationships" xmlns:p="http://schemas.openxmlformats.org/presentationml/2006/main">
   <p:cSld>
+    <p:bg>
+      <p:bgPr>
+        <a:solidFill>
+          <a:schemeClr val="bg1"/>
+        </a:solidFill>
+        <a:effectLst/>
+      </p:bgPr>
+    </p:bg>
     <p:spTree>
       <p:nvGrpSpPr>
         <p:cNvPr id="1" name=""/>
@@ -17716,6 +17729,3895 @@
           <a:chExt cx="0" cy="0"/>
         </a:xfrm>
       </p:grpSpPr>
+      <p:grpSp>
+        <p:nvGrpSpPr>
+          <p:cNvPr id="10" name="Group 9">
+            <a:extLst>
+              <a:ext uri="{FF2B5EF4-FFF2-40B4-BE49-F238E27FC236}">
+                <a16:creationId xmlns:a16="http://schemas.microsoft.com/office/drawing/2014/main" id="{2DAE3342-9DFC-49D4-B09C-25E310769317}"/>
+              </a:ext>
+              <a:ext uri="{C183D7F6-B498-43B3-948B-1728B52AA6E4}">
+                <adec:decorative xmlns:adec="http://schemas.microsoft.com/office/drawing/2017/decorative" val="1"/>
+              </a:ext>
+            </a:extLst>
+          </p:cNvPr>
+          <p:cNvGrpSpPr>
+            <a:grpSpLocks noGrp="1" noUngrp="1" noRot="1" noChangeAspect="1" noMove="1" noResize="1"/>
+          </p:cNvGrpSpPr>
+          <p:nvPr>
+            <p:extLst>
+              <p:ext uri="{386F3935-93C4-4BCD-93E2-E3B085C9AB24}">
+                <p16:designElem xmlns:p16="http://schemas.microsoft.com/office/powerpoint/2015/main" val="1"/>
+              </p:ext>
+            </p:extLst>
+          </p:nvPr>
+        </p:nvGrpSpPr>
+        <p:grpSpPr>
+          <a:xfrm>
+            <a:off x="-329674" y="-59376"/>
+            <a:ext cx="12515851" cy="6923798"/>
+            <a:chOff x="-329674" y="-51881"/>
+            <a:chExt cx="12515851" cy="6923798"/>
+          </a:xfrm>
+        </p:grpSpPr>
+        <p:sp>
+          <p:nvSpPr>
+            <p:cNvPr id="11" name="Freeform 5">
+              <a:extLst>
+                <a:ext uri="{FF2B5EF4-FFF2-40B4-BE49-F238E27FC236}">
+                  <a16:creationId xmlns:a16="http://schemas.microsoft.com/office/drawing/2014/main" id="{E49E0D20-8423-4612-99A5-14AEF8F6BB6D}"/>
+                </a:ext>
+                <a:ext uri="{C183D7F6-B498-43B3-948B-1728B52AA6E4}">
+                  <adec:decorative xmlns:adec="http://schemas.microsoft.com/office/drawing/2017/decorative" val="1"/>
+                </a:ext>
+              </a:extLst>
+            </p:cNvPr>
+            <p:cNvSpPr/>
+            <p:nvPr>
+              <p:extLst>
+                <p:ext uri="{386F3935-93C4-4BCD-93E2-E3B085C9AB24}">
+                  <p16:designElem xmlns:p16="http://schemas.microsoft.com/office/powerpoint/2015/main" val="1"/>
+                </p:ext>
+              </p:extLst>
+            </p:nvPr>
+          </p:nvSpPr>
+          <p:spPr bwMode="auto">
+            <a:xfrm>
+              <a:off x="-329674" y="1298404"/>
+              <a:ext cx="9702800" cy="5573512"/>
+            </a:xfrm>
+            <a:custGeom>
+              <a:avLst/>
+              <a:gdLst/>
+              <a:ahLst/>
+              <a:cxnLst/>
+              <a:rect l="0" t="0" r="r" b="b"/>
+              <a:pathLst>
+                <a:path w="2038" h="1169">
+                  <a:moveTo>
+                    <a:pt x="1752" y="1169"/>
+                  </a:moveTo>
+                  <a:cubicBezTo>
+                    <a:pt x="2038" y="928"/>
+                    <a:pt x="1673" y="513"/>
+                    <a:pt x="1487" y="334"/>
+                  </a:cubicBezTo>
+                  <a:cubicBezTo>
+                    <a:pt x="1316" y="170"/>
+                    <a:pt x="1099" y="43"/>
+                    <a:pt x="860" y="22"/>
+                  </a:cubicBezTo>
+                  <a:cubicBezTo>
+                    <a:pt x="621" y="0"/>
+                    <a:pt x="341" y="128"/>
+                    <a:pt x="199" y="318"/>
+                  </a:cubicBezTo>
+                  <a:cubicBezTo>
+                    <a:pt x="0" y="586"/>
+                    <a:pt x="184" y="965"/>
+                    <a:pt x="399" y="1165"/>
+                  </a:cubicBezTo>
+                </a:path>
+              </a:pathLst>
+            </a:custGeom>
+            <a:noFill/>
+            <a:ln w="9525" cap="flat">
+              <a:solidFill>
+                <a:schemeClr val="tx1">
+                  <a:alpha val="20000"/>
+                </a:schemeClr>
+              </a:solidFill>
+              <a:prstDash val="solid"/>
+              <a:miter lim="800000"/>
+              <a:headEnd/>
+              <a:tailEnd/>
+            </a:ln>
+            <a:extLst>
+              <a:ext uri="{909E8E84-426E-40DD-AFC4-6F175D3DCCD1}">
+                <a14:hiddenFill xmlns:a14="http://schemas.microsoft.com/office/drawing/2010/main">
+                  <a:solidFill>
+                    <a:srgbClr val="FFFFFF"/>
+                  </a:solidFill>
+                </a14:hiddenFill>
+              </a:ext>
+            </a:extLst>
+          </p:spPr>
+        </p:sp>
+        <p:sp>
+          <p:nvSpPr>
+            <p:cNvPr id="12" name="Freeform 6">
+              <a:extLst>
+                <a:ext uri="{FF2B5EF4-FFF2-40B4-BE49-F238E27FC236}">
+                  <a16:creationId xmlns:a16="http://schemas.microsoft.com/office/drawing/2014/main" id="{57C2C108-5A30-48CA-9203-56747AEB7B5F}"/>
+                </a:ext>
+                <a:ext uri="{C183D7F6-B498-43B3-948B-1728B52AA6E4}">
+                  <adec:decorative xmlns:adec="http://schemas.microsoft.com/office/drawing/2017/decorative" val="1"/>
+                </a:ext>
+              </a:extLst>
+            </p:cNvPr>
+            <p:cNvSpPr/>
+            <p:nvPr>
+              <p:extLst>
+                <p:ext uri="{386F3935-93C4-4BCD-93E2-E3B085C9AB24}">
+                  <p16:designElem xmlns:p16="http://schemas.microsoft.com/office/powerpoint/2015/main" val="1"/>
+                </p:ext>
+              </p:extLst>
+            </p:nvPr>
+          </p:nvSpPr>
+          <p:spPr bwMode="auto">
+            <a:xfrm>
+              <a:off x="670451" y="2018236"/>
+              <a:ext cx="7373938" cy="4848892"/>
+            </a:xfrm>
+            <a:custGeom>
+              <a:avLst/>
+              <a:gdLst/>
+              <a:ahLst/>
+              <a:cxnLst/>
+              <a:rect l="0" t="0" r="r" b="b"/>
+              <a:pathLst>
+                <a:path w="1549" h="1017">
+                  <a:moveTo>
+                    <a:pt x="1025" y="1016"/>
+                  </a:moveTo>
+                  <a:cubicBezTo>
+                    <a:pt x="1223" y="971"/>
+                    <a:pt x="1549" y="857"/>
+                    <a:pt x="1443" y="592"/>
+                  </a:cubicBezTo>
+                  <a:cubicBezTo>
+                    <a:pt x="1344" y="344"/>
+                    <a:pt x="1041" y="111"/>
+                    <a:pt x="782" y="53"/>
+                  </a:cubicBezTo>
+                  <a:cubicBezTo>
+                    <a:pt x="545" y="0"/>
+                    <a:pt x="275" y="117"/>
+                    <a:pt x="150" y="329"/>
+                  </a:cubicBezTo>
+                  <a:cubicBezTo>
+                    <a:pt x="0" y="584"/>
+                    <a:pt x="243" y="911"/>
+                    <a:pt x="477" y="1017"/>
+                  </a:cubicBezTo>
+                </a:path>
+              </a:pathLst>
+            </a:custGeom>
+            <a:noFill/>
+            <a:ln w="9525" cap="flat">
+              <a:solidFill>
+                <a:schemeClr val="tx1">
+                  <a:alpha val="20000"/>
+                </a:schemeClr>
+              </a:solidFill>
+              <a:prstDash val="solid"/>
+              <a:miter lim="800000"/>
+              <a:headEnd/>
+              <a:tailEnd/>
+            </a:ln>
+            <a:extLst>
+              <a:ext uri="{909E8E84-426E-40DD-AFC4-6F175D3DCCD1}">
+                <a14:hiddenFill xmlns:a14="http://schemas.microsoft.com/office/drawing/2010/main">
+                  <a:solidFill>
+                    <a:srgbClr val="FFFFFF"/>
+                  </a:solidFill>
+                </a14:hiddenFill>
+              </a:ext>
+            </a:extLst>
+          </p:spPr>
+        </p:sp>
+        <p:sp>
+          <p:nvSpPr>
+            <p:cNvPr id="13" name="Freeform 7">
+              <a:extLst>
+                <a:ext uri="{FF2B5EF4-FFF2-40B4-BE49-F238E27FC236}">
+                  <a16:creationId xmlns:a16="http://schemas.microsoft.com/office/drawing/2014/main" id="{1A343912-2EFC-408E-A862-5C9BF108DC2A}"/>
+                </a:ext>
+                <a:ext uri="{C183D7F6-B498-43B3-948B-1728B52AA6E4}">
+                  <adec:decorative xmlns:adec="http://schemas.microsoft.com/office/drawing/2017/decorative" val="1"/>
+                </a:ext>
+              </a:extLst>
+            </p:cNvPr>
+            <p:cNvSpPr/>
+            <p:nvPr>
+              <p:extLst>
+                <p:ext uri="{386F3935-93C4-4BCD-93E2-E3B085C9AB24}">
+                  <p16:designElem xmlns:p16="http://schemas.microsoft.com/office/powerpoint/2015/main" val="1"/>
+                </p:ext>
+              </p:extLst>
+            </p:nvPr>
+          </p:nvSpPr>
+          <p:spPr bwMode="auto">
+            <a:xfrm>
+              <a:off x="251351" y="1788400"/>
+              <a:ext cx="8035925" cy="5083516"/>
+            </a:xfrm>
+            <a:custGeom>
+              <a:avLst/>
+              <a:gdLst/>
+              <a:ahLst/>
+              <a:cxnLst/>
+              <a:rect l="0" t="0" r="r" b="b"/>
+              <a:pathLst>
+                <a:path w="1688" h="1066">
+                  <a:moveTo>
+                    <a:pt x="1302" y="1066"/>
+                  </a:moveTo>
+                  <a:cubicBezTo>
+                    <a:pt x="1416" y="1024"/>
+                    <a:pt x="1551" y="962"/>
+                    <a:pt x="1613" y="850"/>
+                  </a:cubicBezTo>
+                  <a:cubicBezTo>
+                    <a:pt x="1688" y="715"/>
+                    <a:pt x="1606" y="575"/>
+                    <a:pt x="1517" y="471"/>
+                  </a:cubicBezTo>
+                  <a:cubicBezTo>
+                    <a:pt x="1336" y="258"/>
+                    <a:pt x="1084" y="62"/>
+                    <a:pt x="798" y="28"/>
+                  </a:cubicBezTo>
+                  <a:cubicBezTo>
+                    <a:pt x="559" y="0"/>
+                    <a:pt x="317" y="138"/>
+                    <a:pt x="181" y="333"/>
+                  </a:cubicBezTo>
+                  <a:cubicBezTo>
+                    <a:pt x="0" y="592"/>
+                    <a:pt x="191" y="907"/>
+                    <a:pt x="420" y="1066"/>
+                  </a:cubicBezTo>
+                </a:path>
+              </a:pathLst>
+            </a:custGeom>
+            <a:noFill/>
+            <a:ln w="9525" cap="flat">
+              <a:solidFill>
+                <a:schemeClr val="tx1">
+                  <a:alpha val="20000"/>
+                </a:schemeClr>
+              </a:solidFill>
+              <a:prstDash val="dash"/>
+              <a:miter lim="800000"/>
+              <a:headEnd/>
+              <a:tailEnd/>
+            </a:ln>
+            <a:extLst>
+              <a:ext uri="{909E8E84-426E-40DD-AFC4-6F175D3DCCD1}">
+                <a14:hiddenFill xmlns:a14="http://schemas.microsoft.com/office/drawing/2010/main">
+                  <a:solidFill>
+                    <a:srgbClr val="FFFFFF"/>
+                  </a:solidFill>
+                </a14:hiddenFill>
+              </a:ext>
+            </a:extLst>
+          </p:spPr>
+        </p:sp>
+        <p:sp>
+          <p:nvSpPr>
+            <p:cNvPr id="14" name="Freeform 8">
+              <a:extLst>
+                <a:ext uri="{FF2B5EF4-FFF2-40B4-BE49-F238E27FC236}">
+                  <a16:creationId xmlns:a16="http://schemas.microsoft.com/office/drawing/2014/main" id="{AA50D1CF-9DAE-4CF6-B829-E66CEE9D5784}"/>
+                </a:ext>
+                <a:ext uri="{C183D7F6-B498-43B3-948B-1728B52AA6E4}">
+                  <adec:decorative xmlns:adec="http://schemas.microsoft.com/office/drawing/2017/decorative" val="1"/>
+                </a:ext>
+              </a:extLst>
+            </p:cNvPr>
+            <p:cNvSpPr/>
+            <p:nvPr>
+              <p:extLst>
+                <p:ext uri="{386F3935-93C4-4BCD-93E2-E3B085C9AB24}">
+                  <p16:designElem xmlns:p16="http://schemas.microsoft.com/office/powerpoint/2015/main" val="1"/>
+                </p:ext>
+              </p:extLst>
+            </p:nvPr>
+          </p:nvSpPr>
+          <p:spPr bwMode="auto">
+            <a:xfrm>
+              <a:off x="-1061" y="549842"/>
+              <a:ext cx="10334625" cy="6322075"/>
+            </a:xfrm>
+            <a:custGeom>
+              <a:avLst/>
+              <a:gdLst/>
+              <a:ahLst/>
+              <a:cxnLst/>
+              <a:rect l="0" t="0" r="r" b="b"/>
+              <a:pathLst>
+                <a:path w="2171" h="1326">
+                  <a:moveTo>
+                    <a:pt x="1873" y="1326"/>
+                  </a:moveTo>
+                  <a:cubicBezTo>
+                    <a:pt x="2171" y="1045"/>
+                    <a:pt x="1825" y="678"/>
+                    <a:pt x="1609" y="473"/>
+                  </a:cubicBezTo>
+                  <a:cubicBezTo>
+                    <a:pt x="1406" y="281"/>
+                    <a:pt x="1159" y="116"/>
+                    <a:pt x="880" y="63"/>
+                  </a:cubicBezTo>
+                  <a:cubicBezTo>
+                    <a:pt x="545" y="0"/>
+                    <a:pt x="214" y="161"/>
+                    <a:pt x="0" y="423"/>
+                  </a:cubicBezTo>
+                </a:path>
+              </a:pathLst>
+            </a:custGeom>
+            <a:noFill/>
+            <a:ln w="9525" cap="flat">
+              <a:solidFill>
+                <a:schemeClr val="tx1">
+                  <a:alpha val="20000"/>
+                </a:schemeClr>
+              </a:solidFill>
+              <a:prstDash val="solid"/>
+              <a:miter lim="800000"/>
+              <a:headEnd/>
+              <a:tailEnd/>
+            </a:ln>
+            <a:extLst>
+              <a:ext uri="{909E8E84-426E-40DD-AFC4-6F175D3DCCD1}">
+                <a14:hiddenFill xmlns:a14="http://schemas.microsoft.com/office/drawing/2010/main">
+                  <a:solidFill>
+                    <a:srgbClr val="FFFFFF"/>
+                  </a:solidFill>
+                </a14:hiddenFill>
+              </a:ext>
+            </a:extLst>
+          </p:spPr>
+        </p:sp>
+        <p:sp>
+          <p:nvSpPr>
+            <p:cNvPr id="15" name="Freeform 9">
+              <a:extLst>
+                <a:ext uri="{FF2B5EF4-FFF2-40B4-BE49-F238E27FC236}">
+                  <a16:creationId xmlns:a16="http://schemas.microsoft.com/office/drawing/2014/main" id="{FE5799A4-0568-433E-BF41-752CF516AC77}"/>
+                </a:ext>
+                <a:ext uri="{C183D7F6-B498-43B3-948B-1728B52AA6E4}">
+                  <adec:decorative xmlns:adec="http://schemas.microsoft.com/office/drawing/2017/decorative" val="1"/>
+                </a:ext>
+              </a:extLst>
+            </p:cNvPr>
+            <p:cNvSpPr/>
+            <p:nvPr>
+              <p:extLst>
+                <p:ext uri="{386F3935-93C4-4BCD-93E2-E3B085C9AB24}">
+                  <p16:designElem xmlns:p16="http://schemas.microsoft.com/office/powerpoint/2015/main" val="1"/>
+                </p:ext>
+              </p:extLst>
+            </p:nvPr>
+          </p:nvSpPr>
+          <p:spPr bwMode="auto">
+            <a:xfrm>
+              <a:off x="3701" y="6186246"/>
+              <a:ext cx="504825" cy="681527"/>
+            </a:xfrm>
+            <a:custGeom>
+              <a:avLst/>
+              <a:gdLst/>
+              <a:ahLst/>
+              <a:cxnLst/>
+              <a:rect l="0" t="0" r="r" b="b"/>
+              <a:pathLst>
+                <a:path w="106" h="143">
+                  <a:moveTo>
+                    <a:pt x="0" y="0"/>
+                  </a:moveTo>
+                  <a:cubicBezTo>
+                    <a:pt x="35" y="54"/>
+                    <a:pt x="70" y="101"/>
+                    <a:pt x="106" y="143"/>
+                  </a:cubicBezTo>
+                </a:path>
+              </a:pathLst>
+            </a:custGeom>
+            <a:noFill/>
+            <a:ln w="4763" cap="flat">
+              <a:solidFill>
+                <a:schemeClr val="tx1">
+                  <a:alpha val="20000"/>
+                </a:schemeClr>
+              </a:solidFill>
+              <a:prstDash val="solid"/>
+              <a:miter lim="800000"/>
+              <a:headEnd/>
+              <a:tailEnd/>
+            </a:ln>
+            <a:extLst>
+              <a:ext uri="{909E8E84-426E-40DD-AFC4-6F175D3DCCD1}">
+                <a14:hiddenFill xmlns:a14="http://schemas.microsoft.com/office/drawing/2010/main">
+                  <a:solidFill>
+                    <a:srgbClr val="FFFFFF"/>
+                  </a:solidFill>
+                </a14:hiddenFill>
+              </a:ext>
+            </a:extLst>
+          </p:spPr>
+        </p:sp>
+        <p:sp>
+          <p:nvSpPr>
+            <p:cNvPr id="16" name="Freeform 10">
+              <a:extLst>
+                <a:ext uri="{FF2B5EF4-FFF2-40B4-BE49-F238E27FC236}">
+                  <a16:creationId xmlns:a16="http://schemas.microsoft.com/office/drawing/2014/main" id="{CDBB86ED-F16F-4C28-BDD5-72D771176F71}"/>
+                </a:ext>
+                <a:ext uri="{C183D7F6-B498-43B3-948B-1728B52AA6E4}">
+                  <adec:decorative xmlns:adec="http://schemas.microsoft.com/office/drawing/2017/decorative" val="1"/>
+                </a:ext>
+              </a:extLst>
+            </p:cNvPr>
+            <p:cNvSpPr/>
+            <p:nvPr>
+              <p:extLst>
+                <p:ext uri="{386F3935-93C4-4BCD-93E2-E3B085C9AB24}">
+                  <p16:designElem xmlns:p16="http://schemas.microsoft.com/office/powerpoint/2015/main" val="1"/>
+                </p:ext>
+              </p:extLst>
+            </p:nvPr>
+          </p:nvSpPr>
+          <p:spPr bwMode="auto">
+            <a:xfrm>
+              <a:off x="-1061" y="-51881"/>
+              <a:ext cx="11091863" cy="6923796"/>
+            </a:xfrm>
+            <a:custGeom>
+              <a:avLst/>
+              <a:gdLst/>
+              <a:ahLst/>
+              <a:cxnLst/>
+              <a:rect l="0" t="0" r="r" b="b"/>
+              <a:pathLst>
+                <a:path w="2330" h="1452">
+                  <a:moveTo>
+                    <a:pt x="2046" y="1452"/>
+                  </a:moveTo>
+                  <a:cubicBezTo>
+                    <a:pt x="2330" y="1153"/>
+                    <a:pt x="2049" y="821"/>
+                    <a:pt x="1813" y="601"/>
+                  </a:cubicBezTo>
+                  <a:cubicBezTo>
+                    <a:pt x="1569" y="375"/>
+                    <a:pt x="1282" y="179"/>
+                    <a:pt x="956" y="97"/>
+                  </a:cubicBezTo>
+                  <a:cubicBezTo>
+                    <a:pt x="572" y="0"/>
+                    <a:pt x="292" y="101"/>
+                    <a:pt x="0" y="366"/>
+                  </a:cubicBezTo>
+                </a:path>
+              </a:pathLst>
+            </a:custGeom>
+            <a:noFill/>
+            <a:ln w="9525" cap="flat">
+              <a:solidFill>
+                <a:schemeClr val="tx1">
+                  <a:alpha val="20000"/>
+                </a:schemeClr>
+              </a:solidFill>
+              <a:prstDash val="solid"/>
+              <a:miter lim="800000"/>
+              <a:headEnd/>
+              <a:tailEnd/>
+            </a:ln>
+            <a:extLst>
+              <a:ext uri="{909E8E84-426E-40DD-AFC4-6F175D3DCCD1}">
+                <a14:hiddenFill xmlns:a14="http://schemas.microsoft.com/office/drawing/2010/main">
+                  <a:solidFill>
+                    <a:srgbClr val="FFFFFF"/>
+                  </a:solidFill>
+                </a14:hiddenFill>
+              </a:ext>
+            </a:extLst>
+          </p:spPr>
+        </p:sp>
+        <p:sp>
+          <p:nvSpPr>
+            <p:cNvPr id="17" name="Freeform 11">
+              <a:extLst>
+                <a:ext uri="{FF2B5EF4-FFF2-40B4-BE49-F238E27FC236}">
+                  <a16:creationId xmlns:a16="http://schemas.microsoft.com/office/drawing/2014/main" id="{3347939E-8B76-4CFC-B2EC-63A7E2278388}"/>
+                </a:ext>
+                <a:ext uri="{C183D7F6-B498-43B3-948B-1728B52AA6E4}">
+                  <adec:decorative xmlns:adec="http://schemas.microsoft.com/office/drawing/2017/decorative" val="1"/>
+                </a:ext>
+              </a:extLst>
+            </p:cNvPr>
+            <p:cNvSpPr/>
+            <p:nvPr>
+              <p:extLst>
+                <p:ext uri="{386F3935-93C4-4BCD-93E2-E3B085C9AB24}">
+                  <p16:designElem xmlns:p16="http://schemas.microsoft.com/office/powerpoint/2015/main" val="1"/>
+                </p:ext>
+              </p:extLst>
+            </p:nvPr>
+          </p:nvSpPr>
+          <p:spPr bwMode="auto">
+            <a:xfrm>
+              <a:off x="5426601" y="5579"/>
+              <a:ext cx="5788025" cy="6847184"/>
+            </a:xfrm>
+            <a:custGeom>
+              <a:avLst/>
+              <a:gdLst/>
+              <a:ahLst/>
+              <a:cxnLst/>
+              <a:rect l="0" t="0" r="r" b="b"/>
+              <a:pathLst>
+                <a:path w="1216" h="1436">
+                  <a:moveTo>
+                    <a:pt x="1094" y="1436"/>
+                  </a:moveTo>
+                  <a:cubicBezTo>
+                    <a:pt x="1216" y="1114"/>
+                    <a:pt x="904" y="770"/>
+                    <a:pt x="709" y="551"/>
+                  </a:cubicBezTo>
+                  <a:cubicBezTo>
+                    <a:pt x="509" y="327"/>
+                    <a:pt x="274" y="127"/>
+                    <a:pt x="0" y="0"/>
+                  </a:cubicBezTo>
+                </a:path>
+              </a:pathLst>
+            </a:custGeom>
+            <a:noFill/>
+            <a:ln w="9525" cap="flat">
+              <a:solidFill>
+                <a:schemeClr val="tx1">
+                  <a:alpha val="20000"/>
+                </a:schemeClr>
+              </a:solidFill>
+              <a:prstDash val="solid"/>
+              <a:miter lim="800000"/>
+              <a:headEnd/>
+              <a:tailEnd/>
+            </a:ln>
+            <a:extLst>
+              <a:ext uri="{909E8E84-426E-40DD-AFC4-6F175D3DCCD1}">
+                <a14:hiddenFill xmlns:a14="http://schemas.microsoft.com/office/drawing/2010/main">
+                  <a:solidFill>
+                    <a:srgbClr val="FFFFFF"/>
+                  </a:solidFill>
+                </a14:hiddenFill>
+              </a:ext>
+            </a:extLst>
+          </p:spPr>
+        </p:sp>
+        <p:sp>
+          <p:nvSpPr>
+            <p:cNvPr id="18" name="Freeform 12">
+              <a:extLst>
+                <a:ext uri="{FF2B5EF4-FFF2-40B4-BE49-F238E27FC236}">
+                  <a16:creationId xmlns:a16="http://schemas.microsoft.com/office/drawing/2014/main" id="{FA1DD132-02E4-4CD3-B496-BFF924558A6C}"/>
+                </a:ext>
+                <a:ext uri="{C183D7F6-B498-43B3-948B-1728B52AA6E4}">
+                  <adec:decorative xmlns:adec="http://schemas.microsoft.com/office/drawing/2017/decorative" val="1"/>
+                </a:ext>
+              </a:extLst>
+            </p:cNvPr>
+            <p:cNvSpPr/>
+            <p:nvPr>
+              <p:extLst>
+                <p:ext uri="{386F3935-93C4-4BCD-93E2-E3B085C9AB24}">
+                  <p16:designElem xmlns:p16="http://schemas.microsoft.com/office/powerpoint/2015/main" val="1"/>
+                </p:ext>
+              </p:extLst>
+            </p:nvPr>
+          </p:nvSpPr>
+          <p:spPr bwMode="auto">
+            <a:xfrm>
+              <a:off x="-1061" y="5579"/>
+              <a:ext cx="1057275" cy="614491"/>
+            </a:xfrm>
+            <a:custGeom>
+              <a:avLst/>
+              <a:gdLst/>
+              <a:ahLst/>
+              <a:cxnLst/>
+              <a:rect l="0" t="0" r="r" b="b"/>
+              <a:pathLst>
+                <a:path w="222" h="129">
+                  <a:moveTo>
+                    <a:pt x="222" y="0"/>
+                  </a:moveTo>
+                  <a:cubicBezTo>
+                    <a:pt x="152" y="35"/>
+                    <a:pt x="76" y="78"/>
+                    <a:pt x="0" y="129"/>
+                  </a:cubicBezTo>
+                </a:path>
+              </a:pathLst>
+            </a:custGeom>
+            <a:noFill/>
+            <a:ln w="9525" cap="flat">
+              <a:solidFill>
+                <a:schemeClr val="tx1">
+                  <a:alpha val="20000"/>
+                </a:schemeClr>
+              </a:solidFill>
+              <a:prstDash val="solid"/>
+              <a:miter lim="800000"/>
+              <a:headEnd/>
+              <a:tailEnd/>
+            </a:ln>
+            <a:extLst>
+              <a:ext uri="{909E8E84-426E-40DD-AFC4-6F175D3DCCD1}">
+                <a14:hiddenFill xmlns:a14="http://schemas.microsoft.com/office/drawing/2010/main">
+                  <a:solidFill>
+                    <a:srgbClr val="FFFFFF"/>
+                  </a:solidFill>
+                </a14:hiddenFill>
+              </a:ext>
+            </a:extLst>
+          </p:spPr>
+        </p:sp>
+        <p:sp>
+          <p:nvSpPr>
+            <p:cNvPr id="19" name="Freeform 13">
+              <a:extLst>
+                <a:ext uri="{FF2B5EF4-FFF2-40B4-BE49-F238E27FC236}">
+                  <a16:creationId xmlns:a16="http://schemas.microsoft.com/office/drawing/2014/main" id="{710BDA52-A7D7-4E4E-9F36-EC8F983EAF14}"/>
+                </a:ext>
+                <a:ext uri="{C183D7F6-B498-43B3-948B-1728B52AA6E4}">
+                  <adec:decorative xmlns:adec="http://schemas.microsoft.com/office/drawing/2017/decorative" val="1"/>
+                </a:ext>
+              </a:extLst>
+            </p:cNvPr>
+            <p:cNvSpPr/>
+            <p:nvPr>
+              <p:extLst>
+                <p:ext uri="{386F3935-93C4-4BCD-93E2-E3B085C9AB24}">
+                  <p16:designElem xmlns:p16="http://schemas.microsoft.com/office/powerpoint/2015/main" val="1"/>
+                </p:ext>
+              </p:extLst>
+            </p:nvPr>
+          </p:nvSpPr>
+          <p:spPr bwMode="auto">
+            <a:xfrm>
+              <a:off x="5821889" y="5579"/>
+              <a:ext cx="5588000" cy="6866337"/>
+            </a:xfrm>
+            <a:custGeom>
+              <a:avLst/>
+              <a:gdLst/>
+              <a:ahLst/>
+              <a:cxnLst/>
+              <a:rect l="0" t="0" r="r" b="b"/>
+              <a:pathLst>
+                <a:path w="1174" h="1440">
+                  <a:moveTo>
+                    <a:pt x="1067" y="1440"/>
+                  </a:moveTo>
+                  <a:cubicBezTo>
+                    <a:pt x="1174" y="1124"/>
+                    <a:pt x="887" y="797"/>
+                    <a:pt x="698" y="577"/>
+                  </a:cubicBezTo>
+                  <a:cubicBezTo>
+                    <a:pt x="500" y="348"/>
+                    <a:pt x="270" y="141"/>
+                    <a:pt x="0" y="0"/>
+                  </a:cubicBezTo>
+                </a:path>
+              </a:pathLst>
+            </a:custGeom>
+            <a:noFill/>
+            <a:ln w="9525" cap="flat">
+              <a:solidFill>
+                <a:schemeClr val="tx1">
+                  <a:alpha val="20000"/>
+                </a:schemeClr>
+              </a:solidFill>
+              <a:prstDash val="dash"/>
+              <a:miter lim="800000"/>
+              <a:headEnd/>
+              <a:tailEnd/>
+            </a:ln>
+            <a:extLst>
+              <a:ext uri="{909E8E84-426E-40DD-AFC4-6F175D3DCCD1}">
+                <a14:hiddenFill xmlns:a14="http://schemas.microsoft.com/office/drawing/2010/main">
+                  <a:solidFill>
+                    <a:srgbClr val="FFFFFF"/>
+                  </a:solidFill>
+                </a14:hiddenFill>
+              </a:ext>
+            </a:extLst>
+          </p:spPr>
+        </p:sp>
+        <p:sp>
+          <p:nvSpPr>
+            <p:cNvPr id="20" name="Freeform 14">
+              <a:extLst>
+                <a:ext uri="{FF2B5EF4-FFF2-40B4-BE49-F238E27FC236}">
+                  <a16:creationId xmlns:a16="http://schemas.microsoft.com/office/drawing/2014/main" id="{B1BDF852-319F-42B8-9A50-7C9A9387CD9D}"/>
+                </a:ext>
+                <a:ext uri="{C183D7F6-B498-43B3-948B-1728B52AA6E4}">
+                  <adec:decorative xmlns:adec="http://schemas.microsoft.com/office/drawing/2017/decorative" val="1"/>
+                </a:ext>
+              </a:extLst>
+            </p:cNvPr>
+            <p:cNvSpPr/>
+            <p:nvPr>
+              <p:extLst>
+                <p:ext uri="{386F3935-93C4-4BCD-93E2-E3B085C9AB24}">
+                  <p16:designElem xmlns:p16="http://schemas.microsoft.com/office/powerpoint/2015/main" val="1"/>
+                </p:ext>
+              </p:extLst>
+            </p:nvPr>
+          </p:nvSpPr>
+          <p:spPr bwMode="auto">
+            <a:xfrm>
+              <a:off x="3701" y="790"/>
+              <a:ext cx="595313" cy="352734"/>
+            </a:xfrm>
+            <a:custGeom>
+              <a:avLst/>
+              <a:gdLst/>
+              <a:ahLst/>
+              <a:cxnLst/>
+              <a:rect l="0" t="0" r="r" b="b"/>
+              <a:pathLst>
+                <a:path w="125" h="74">
+                  <a:moveTo>
+                    <a:pt x="125" y="0"/>
+                  </a:moveTo>
+                  <a:cubicBezTo>
+                    <a:pt x="85" y="22"/>
+                    <a:pt x="43" y="47"/>
+                    <a:pt x="0" y="74"/>
+                  </a:cubicBezTo>
+                </a:path>
+              </a:pathLst>
+            </a:custGeom>
+            <a:noFill/>
+            <a:ln w="9525" cap="flat">
+              <a:solidFill>
+                <a:schemeClr val="tx1">
+                  <a:alpha val="20000"/>
+                </a:schemeClr>
+              </a:solidFill>
+              <a:prstDash val="dash"/>
+              <a:miter lim="800000"/>
+              <a:headEnd/>
+              <a:tailEnd/>
+            </a:ln>
+            <a:extLst>
+              <a:ext uri="{909E8E84-426E-40DD-AFC4-6F175D3DCCD1}">
+                <a14:hiddenFill xmlns:a14="http://schemas.microsoft.com/office/drawing/2010/main">
+                  <a:solidFill>
+                    <a:srgbClr val="FFFFFF"/>
+                  </a:solidFill>
+                </a14:hiddenFill>
+              </a:ext>
+            </a:extLst>
+          </p:spPr>
+        </p:sp>
+        <p:sp>
+          <p:nvSpPr>
+            <p:cNvPr id="21" name="Freeform 15">
+              <a:extLst>
+                <a:ext uri="{FF2B5EF4-FFF2-40B4-BE49-F238E27FC236}">
+                  <a16:creationId xmlns:a16="http://schemas.microsoft.com/office/drawing/2014/main" id="{3AACE376-C01E-4F1F-91B7-39D0274BFE9A}"/>
+                </a:ext>
+                <a:ext uri="{C183D7F6-B498-43B3-948B-1728B52AA6E4}">
+                  <adec:decorative xmlns:adec="http://schemas.microsoft.com/office/drawing/2017/decorative" val="1"/>
+                </a:ext>
+              </a:extLst>
+            </p:cNvPr>
+            <p:cNvSpPr/>
+            <p:nvPr>
+              <p:extLst>
+                <p:ext uri="{386F3935-93C4-4BCD-93E2-E3B085C9AB24}">
+                  <p16:designElem xmlns:p16="http://schemas.microsoft.com/office/powerpoint/2015/main" val="1"/>
+                </p:ext>
+              </p:extLst>
+            </p:nvPr>
+          </p:nvSpPr>
+          <p:spPr bwMode="auto">
+            <a:xfrm>
+              <a:off x="6012389" y="5579"/>
+              <a:ext cx="5497513" cy="6866337"/>
+            </a:xfrm>
+            <a:custGeom>
+              <a:avLst/>
+              <a:gdLst/>
+              <a:ahLst/>
+              <a:cxnLst/>
+              <a:rect l="0" t="0" r="r" b="b"/>
+              <a:pathLst>
+                <a:path w="1155" h="1440">
+                  <a:moveTo>
+                    <a:pt x="1056" y="1440"/>
+                  </a:moveTo>
+                  <a:cubicBezTo>
+                    <a:pt x="1155" y="1123"/>
+                    <a:pt x="875" y="801"/>
+                    <a:pt x="686" y="580"/>
+                  </a:cubicBezTo>
+                  <a:cubicBezTo>
+                    <a:pt x="491" y="352"/>
+                    <a:pt x="264" y="145"/>
+                    <a:pt x="0" y="0"/>
+                  </a:cubicBezTo>
+                </a:path>
+              </a:pathLst>
+            </a:custGeom>
+            <a:noFill/>
+            <a:ln w="12700" cap="flat">
+              <a:solidFill>
+                <a:schemeClr val="tx1">
+                  <a:alpha val="20000"/>
+                </a:schemeClr>
+              </a:solidFill>
+              <a:prstDash val="dashDot"/>
+              <a:miter lim="800000"/>
+              <a:headEnd/>
+              <a:tailEnd/>
+            </a:ln>
+            <a:extLst>
+              <a:ext uri="{909E8E84-426E-40DD-AFC4-6F175D3DCCD1}">
+                <a14:hiddenFill xmlns:a14="http://schemas.microsoft.com/office/drawing/2010/main">
+                  <a:solidFill>
+                    <a:srgbClr val="FFFFFF"/>
+                  </a:solidFill>
+                </a14:hiddenFill>
+              </a:ext>
+            </a:extLst>
+          </p:spPr>
+        </p:sp>
+        <p:sp>
+          <p:nvSpPr>
+            <p:cNvPr id="22" name="Freeform 16">
+              <a:extLst>
+                <a:ext uri="{FF2B5EF4-FFF2-40B4-BE49-F238E27FC236}">
+                  <a16:creationId xmlns:a16="http://schemas.microsoft.com/office/drawing/2014/main" id="{7F612F4C-050E-459D-9771-ED088374A560}"/>
+                </a:ext>
+                <a:ext uri="{C183D7F6-B498-43B3-948B-1728B52AA6E4}">
+                  <adec:decorative xmlns:adec="http://schemas.microsoft.com/office/drawing/2017/decorative" val="1"/>
+                </a:ext>
+              </a:extLst>
+            </p:cNvPr>
+            <p:cNvSpPr/>
+            <p:nvPr>
+              <p:extLst>
+                <p:ext uri="{386F3935-93C4-4BCD-93E2-E3B085C9AB24}">
+                  <p16:designElem xmlns:p16="http://schemas.microsoft.com/office/powerpoint/2015/main" val="1"/>
+                </p:ext>
+              </p:extLst>
+            </p:nvPr>
+          </p:nvSpPr>
+          <p:spPr bwMode="auto">
+            <a:xfrm>
+              <a:off x="-1061" y="5579"/>
+              <a:ext cx="357188" cy="213875"/>
+            </a:xfrm>
+            <a:custGeom>
+              <a:avLst/>
+              <a:gdLst/>
+              <a:ahLst/>
+              <a:cxnLst/>
+              <a:rect l="0" t="0" r="r" b="b"/>
+              <a:pathLst>
+                <a:path w="75" h="45">
+                  <a:moveTo>
+                    <a:pt x="75" y="0"/>
+                  </a:moveTo>
+                  <a:cubicBezTo>
+                    <a:pt x="50" y="14"/>
+                    <a:pt x="25" y="29"/>
+                    <a:pt x="0" y="45"/>
+                  </a:cubicBezTo>
+                </a:path>
+              </a:pathLst>
+            </a:custGeom>
+            <a:noFill/>
+            <a:ln w="12700" cap="flat">
+              <a:solidFill>
+                <a:schemeClr val="tx1">
+                  <a:alpha val="20000"/>
+                </a:schemeClr>
+              </a:solidFill>
+              <a:prstDash val="dashDot"/>
+              <a:miter lim="800000"/>
+              <a:headEnd/>
+              <a:tailEnd/>
+            </a:ln>
+            <a:extLst>
+              <a:ext uri="{909E8E84-426E-40DD-AFC4-6F175D3DCCD1}">
+                <a14:hiddenFill xmlns:a14="http://schemas.microsoft.com/office/drawing/2010/main">
+                  <a:solidFill>
+                    <a:srgbClr val="FFFFFF"/>
+                  </a:solidFill>
+                </a14:hiddenFill>
+              </a:ext>
+            </a:extLst>
+          </p:spPr>
+        </p:sp>
+        <p:sp>
+          <p:nvSpPr>
+            <p:cNvPr id="23" name="Freeform 17">
+              <a:extLst>
+                <a:ext uri="{FF2B5EF4-FFF2-40B4-BE49-F238E27FC236}">
+                  <a16:creationId xmlns:a16="http://schemas.microsoft.com/office/drawing/2014/main" id="{94E4211B-3E41-4905-8F4E-76811B9E5742}"/>
+                </a:ext>
+                <a:ext uri="{C183D7F6-B498-43B3-948B-1728B52AA6E4}">
+                  <adec:decorative xmlns:adec="http://schemas.microsoft.com/office/drawing/2017/decorative" val="1"/>
+                </a:ext>
+              </a:extLst>
+            </p:cNvPr>
+            <p:cNvSpPr/>
+            <p:nvPr>
+              <p:extLst>
+                <p:ext uri="{386F3935-93C4-4BCD-93E2-E3B085C9AB24}">
+                  <p16:designElem xmlns:p16="http://schemas.microsoft.com/office/powerpoint/2015/main" val="1"/>
+                </p:ext>
+              </p:extLst>
+            </p:nvPr>
+          </p:nvSpPr>
+          <p:spPr bwMode="auto">
+            <a:xfrm>
+              <a:off x="6210826" y="790"/>
+              <a:ext cx="5522913" cy="6871126"/>
+            </a:xfrm>
+            <a:custGeom>
+              <a:avLst/>
+              <a:gdLst/>
+              <a:ahLst/>
+              <a:cxnLst/>
+              <a:rect l="0" t="0" r="r" b="b"/>
+              <a:pathLst>
+                <a:path w="1160" h="1441">
+                  <a:moveTo>
+                    <a:pt x="1053" y="1441"/>
+                  </a:moveTo>
+                  <a:cubicBezTo>
+                    <a:pt x="1160" y="1129"/>
+                    <a:pt x="892" y="817"/>
+                    <a:pt x="705" y="599"/>
+                  </a:cubicBezTo>
+                  <a:cubicBezTo>
+                    <a:pt x="503" y="365"/>
+                    <a:pt x="270" y="152"/>
+                    <a:pt x="0" y="0"/>
+                  </a:cubicBezTo>
+                </a:path>
+              </a:pathLst>
+            </a:custGeom>
+            <a:noFill/>
+            <a:ln w="9525" cap="flat">
+              <a:solidFill>
+                <a:schemeClr val="tx1">
+                  <a:alpha val="20000"/>
+                </a:schemeClr>
+              </a:solidFill>
+              <a:prstDash val="solid"/>
+              <a:miter lim="800000"/>
+              <a:headEnd/>
+              <a:tailEnd/>
+            </a:ln>
+            <a:extLst>
+              <a:ext uri="{909E8E84-426E-40DD-AFC4-6F175D3DCCD1}">
+                <a14:hiddenFill xmlns:a14="http://schemas.microsoft.com/office/drawing/2010/main">
+                  <a:solidFill>
+                    <a:srgbClr val="FFFFFF"/>
+                  </a:solidFill>
+                </a14:hiddenFill>
+              </a:ext>
+            </a:extLst>
+          </p:spPr>
+        </p:sp>
+        <p:sp>
+          <p:nvSpPr>
+            <p:cNvPr id="24" name="Freeform 18">
+              <a:extLst>
+                <a:ext uri="{FF2B5EF4-FFF2-40B4-BE49-F238E27FC236}">
+                  <a16:creationId xmlns:a16="http://schemas.microsoft.com/office/drawing/2014/main" id="{6AEC87EE-0CB8-43DE-8FEB-4586A92E8091}"/>
+                </a:ext>
+                <a:ext uri="{C183D7F6-B498-43B3-948B-1728B52AA6E4}">
+                  <adec:decorative xmlns:adec="http://schemas.microsoft.com/office/drawing/2017/decorative" val="1"/>
+                </a:ext>
+              </a:extLst>
+            </p:cNvPr>
+            <p:cNvSpPr/>
+            <p:nvPr>
+              <p:extLst>
+                <p:ext uri="{386F3935-93C4-4BCD-93E2-E3B085C9AB24}">
+                  <p16:designElem xmlns:p16="http://schemas.microsoft.com/office/powerpoint/2015/main" val="1"/>
+                </p:ext>
+              </p:extLst>
+            </p:nvPr>
+          </p:nvSpPr>
+          <p:spPr bwMode="auto">
+            <a:xfrm>
+              <a:off x="6463239" y="5579"/>
+              <a:ext cx="5413375" cy="6866337"/>
+            </a:xfrm>
+            <a:custGeom>
+              <a:avLst/>
+              <a:gdLst/>
+              <a:ahLst/>
+              <a:cxnLst/>
+              <a:rect l="0" t="0" r="r" b="b"/>
+              <a:pathLst>
+                <a:path w="1137" h="1440">
+                  <a:moveTo>
+                    <a:pt x="1040" y="1440"/>
+                  </a:moveTo>
+                  <a:cubicBezTo>
+                    <a:pt x="1137" y="1131"/>
+                    <a:pt x="883" y="828"/>
+                    <a:pt x="698" y="611"/>
+                  </a:cubicBezTo>
+                  <a:cubicBezTo>
+                    <a:pt x="498" y="375"/>
+                    <a:pt x="268" y="159"/>
+                    <a:pt x="0" y="0"/>
+                  </a:cubicBezTo>
+                </a:path>
+              </a:pathLst>
+            </a:custGeom>
+            <a:noFill/>
+            <a:ln w="9525" cap="flat">
+              <a:solidFill>
+                <a:schemeClr val="tx1">
+                  <a:alpha val="20000"/>
+                </a:schemeClr>
+              </a:solidFill>
+              <a:prstDash val="solid"/>
+              <a:miter lim="800000"/>
+              <a:headEnd/>
+              <a:tailEnd/>
+            </a:ln>
+            <a:extLst>
+              <a:ext uri="{909E8E84-426E-40DD-AFC4-6F175D3DCCD1}">
+                <a14:hiddenFill xmlns:a14="http://schemas.microsoft.com/office/drawing/2010/main">
+                  <a:solidFill>
+                    <a:srgbClr val="FFFFFF"/>
+                  </a:solidFill>
+                </a14:hiddenFill>
+              </a:ext>
+            </a:extLst>
+          </p:spPr>
+        </p:sp>
+        <p:sp>
+          <p:nvSpPr>
+            <p:cNvPr id="25" name="Freeform 19">
+              <a:extLst>
+                <a:ext uri="{FF2B5EF4-FFF2-40B4-BE49-F238E27FC236}">
+                  <a16:creationId xmlns:a16="http://schemas.microsoft.com/office/drawing/2014/main" id="{277C1C5D-7BDC-47E4-8B81-C3C4AE949B49}"/>
+                </a:ext>
+                <a:ext uri="{C183D7F6-B498-43B3-948B-1728B52AA6E4}">
+                  <adec:decorative xmlns:adec="http://schemas.microsoft.com/office/drawing/2017/decorative" val="1"/>
+                </a:ext>
+              </a:extLst>
+            </p:cNvPr>
+            <p:cNvSpPr/>
+            <p:nvPr>
+              <p:extLst>
+                <p:ext uri="{386F3935-93C4-4BCD-93E2-E3B085C9AB24}">
+                  <p16:designElem xmlns:p16="http://schemas.microsoft.com/office/powerpoint/2015/main" val="1"/>
+                </p:ext>
+              </p:extLst>
+            </p:nvPr>
+          </p:nvSpPr>
+          <p:spPr bwMode="auto">
+            <a:xfrm>
+              <a:off x="6877576" y="5579"/>
+              <a:ext cx="5037138" cy="6861550"/>
+            </a:xfrm>
+            <a:custGeom>
+              <a:avLst/>
+              <a:gdLst/>
+              <a:ahLst/>
+              <a:cxnLst/>
+              <a:rect l="0" t="0" r="r" b="b"/>
+              <a:pathLst>
+                <a:path w="1058" h="1439">
+                  <a:moveTo>
+                    <a:pt x="1011" y="1439"/>
+                  </a:moveTo>
+                  <a:cubicBezTo>
+                    <a:pt x="1058" y="1131"/>
+                    <a:pt x="825" y="841"/>
+                    <a:pt x="648" y="617"/>
+                  </a:cubicBezTo>
+                  <a:cubicBezTo>
+                    <a:pt x="462" y="383"/>
+                    <a:pt x="248" y="168"/>
+                    <a:pt x="0" y="0"/>
+                  </a:cubicBezTo>
+                </a:path>
+              </a:pathLst>
+            </a:custGeom>
+            <a:noFill/>
+            <a:ln w="9525" cap="flat">
+              <a:solidFill>
+                <a:schemeClr val="tx1">
+                  <a:alpha val="20000"/>
+                </a:schemeClr>
+              </a:solidFill>
+              <a:prstDash val="solid"/>
+              <a:miter lim="800000"/>
+              <a:headEnd/>
+              <a:tailEnd/>
+            </a:ln>
+            <a:extLst>
+              <a:ext uri="{909E8E84-426E-40DD-AFC4-6F175D3DCCD1}">
+                <a14:hiddenFill xmlns:a14="http://schemas.microsoft.com/office/drawing/2010/main">
+                  <a:solidFill>
+                    <a:srgbClr val="FFFFFF"/>
+                  </a:solidFill>
+                </a14:hiddenFill>
+              </a:ext>
+            </a:extLst>
+          </p:spPr>
+        </p:sp>
+        <p:sp>
+          <p:nvSpPr>
+            <p:cNvPr id="26" name="Freeform 20">
+              <a:extLst>
+                <a:ext uri="{FF2B5EF4-FFF2-40B4-BE49-F238E27FC236}">
+                  <a16:creationId xmlns:a16="http://schemas.microsoft.com/office/drawing/2014/main" id="{7A2A6EF8-9768-4478-9CD3-DFA547CEFCCB}"/>
+                </a:ext>
+                <a:ext uri="{C183D7F6-B498-43B3-948B-1728B52AA6E4}">
+                  <adec:decorative xmlns:adec="http://schemas.microsoft.com/office/drawing/2017/decorative" val="1"/>
+                </a:ext>
+              </a:extLst>
+            </p:cNvPr>
+            <p:cNvSpPr/>
+            <p:nvPr>
+              <p:extLst>
+                <p:ext uri="{386F3935-93C4-4BCD-93E2-E3B085C9AB24}">
+                  <p16:designElem xmlns:p16="http://schemas.microsoft.com/office/powerpoint/2015/main" val="1"/>
+                </p:ext>
+              </p:extLst>
+            </p:nvPr>
+          </p:nvSpPr>
+          <p:spPr bwMode="auto">
+            <a:xfrm>
+              <a:off x="8768289" y="5579"/>
+              <a:ext cx="3417888" cy="2742066"/>
+            </a:xfrm>
+            <a:custGeom>
+              <a:avLst/>
+              <a:gdLst/>
+              <a:ahLst/>
+              <a:cxnLst/>
+              <a:rect l="0" t="0" r="r" b="b"/>
+              <a:pathLst>
+                <a:path w="718" h="575">
+                  <a:moveTo>
+                    <a:pt x="718" y="575"/>
+                  </a:moveTo>
+                  <a:cubicBezTo>
+                    <a:pt x="500" y="360"/>
+                    <a:pt x="260" y="163"/>
+                    <a:pt x="0" y="0"/>
+                  </a:cubicBezTo>
+                </a:path>
+              </a:pathLst>
+            </a:custGeom>
+            <a:noFill/>
+            <a:ln w="9525" cap="flat">
+              <a:solidFill>
+                <a:schemeClr val="tx1">
+                  <a:alpha val="20000"/>
+                </a:schemeClr>
+              </a:solidFill>
+              <a:prstDash val="solid"/>
+              <a:miter lim="800000"/>
+              <a:headEnd/>
+              <a:tailEnd/>
+            </a:ln>
+            <a:extLst>
+              <a:ext uri="{909E8E84-426E-40DD-AFC4-6F175D3DCCD1}">
+                <a14:hiddenFill xmlns:a14="http://schemas.microsoft.com/office/drawing/2010/main">
+                  <a:solidFill>
+                    <a:srgbClr val="FFFFFF"/>
+                  </a:solidFill>
+                </a14:hiddenFill>
+              </a:ext>
+            </a:extLst>
+          </p:spPr>
+        </p:sp>
+        <p:sp>
+          <p:nvSpPr>
+            <p:cNvPr id="27" name="Freeform 21">
+              <a:extLst>
+                <a:ext uri="{FF2B5EF4-FFF2-40B4-BE49-F238E27FC236}">
+                  <a16:creationId xmlns:a16="http://schemas.microsoft.com/office/drawing/2014/main" id="{1FD9091C-E8FA-4ADA-937F-A74426ED1B9B}"/>
+                </a:ext>
+                <a:ext uri="{C183D7F6-B498-43B3-948B-1728B52AA6E4}">
+                  <adec:decorative xmlns:adec="http://schemas.microsoft.com/office/drawing/2017/decorative" val="1"/>
+                </a:ext>
+              </a:extLst>
+            </p:cNvPr>
+            <p:cNvSpPr/>
+            <p:nvPr>
+              <p:extLst>
+                <p:ext uri="{386F3935-93C4-4BCD-93E2-E3B085C9AB24}">
+                  <p16:designElem xmlns:p16="http://schemas.microsoft.com/office/powerpoint/2015/main" val="1"/>
+                </p:ext>
+              </p:extLst>
+            </p:nvPr>
+          </p:nvSpPr>
+          <p:spPr bwMode="auto">
+            <a:xfrm>
+              <a:off x="9235014" y="10367"/>
+              <a:ext cx="2951163" cy="2555325"/>
+            </a:xfrm>
+            <a:custGeom>
+              <a:avLst/>
+              <a:gdLst/>
+              <a:ahLst/>
+              <a:cxnLst/>
+              <a:rect l="0" t="0" r="r" b="b"/>
+              <a:pathLst>
+                <a:path w="620" h="536">
+                  <a:moveTo>
+                    <a:pt x="620" y="536"/>
+                  </a:moveTo>
+                  <a:cubicBezTo>
+                    <a:pt x="404" y="314"/>
+                    <a:pt x="196" y="138"/>
+                    <a:pt x="0" y="0"/>
+                  </a:cubicBezTo>
+                </a:path>
+              </a:pathLst>
+            </a:custGeom>
+            <a:noFill/>
+            <a:ln w="9525" cap="flat">
+              <a:solidFill>
+                <a:schemeClr val="tx1">
+                  <a:alpha val="20000"/>
+                </a:schemeClr>
+              </a:solidFill>
+              <a:prstDash val="solid"/>
+              <a:miter lim="800000"/>
+              <a:headEnd/>
+              <a:tailEnd/>
+            </a:ln>
+            <a:extLst>
+              <a:ext uri="{909E8E84-426E-40DD-AFC4-6F175D3DCCD1}">
+                <a14:hiddenFill xmlns:a14="http://schemas.microsoft.com/office/drawing/2010/main">
+                  <a:solidFill>
+                    <a:srgbClr val="FFFFFF"/>
+                  </a:solidFill>
+                </a14:hiddenFill>
+              </a:ext>
+            </a:extLst>
+          </p:spPr>
+        </p:sp>
+        <p:sp>
+          <p:nvSpPr>
+            <p:cNvPr id="28" name="Freeform 22">
+              <a:extLst>
+                <a:ext uri="{FF2B5EF4-FFF2-40B4-BE49-F238E27FC236}">
+                  <a16:creationId xmlns:a16="http://schemas.microsoft.com/office/drawing/2014/main" id="{B69923E7-63C4-47CE-956E-09D384D4FE66}"/>
+                </a:ext>
+                <a:ext uri="{C183D7F6-B498-43B3-948B-1728B52AA6E4}">
+                  <adec:decorative xmlns:adec="http://schemas.microsoft.com/office/drawing/2017/decorative" val="1"/>
+                </a:ext>
+              </a:extLst>
+            </p:cNvPr>
+            <p:cNvSpPr/>
+            <p:nvPr>
+              <p:extLst>
+                <p:ext uri="{386F3935-93C4-4BCD-93E2-E3B085C9AB24}">
+                  <p16:designElem xmlns:p16="http://schemas.microsoft.com/office/powerpoint/2015/main" val="1"/>
+                </p:ext>
+              </p:extLst>
+            </p:nvPr>
+          </p:nvSpPr>
+          <p:spPr bwMode="auto">
+            <a:xfrm>
+              <a:off x="10020826" y="5579"/>
+              <a:ext cx="2165350" cy="1358265"/>
+            </a:xfrm>
+            <a:custGeom>
+              <a:avLst/>
+              <a:gdLst/>
+              <a:ahLst/>
+              <a:cxnLst/>
+              <a:rect l="0" t="0" r="r" b="b"/>
+              <a:pathLst>
+                <a:path w="455" h="285">
+                  <a:moveTo>
+                    <a:pt x="0" y="0"/>
+                  </a:moveTo>
+                  <a:cubicBezTo>
+                    <a:pt x="153" y="85"/>
+                    <a:pt x="308" y="180"/>
+                    <a:pt x="455" y="285"/>
+                  </a:cubicBezTo>
+                </a:path>
+              </a:pathLst>
+            </a:custGeom>
+            <a:noFill/>
+            <a:ln w="9525" cap="flat">
+              <a:solidFill>
+                <a:schemeClr val="tx1">
+                  <a:alpha val="20000"/>
+                </a:schemeClr>
+              </a:solidFill>
+              <a:prstDash val="dash"/>
+              <a:miter lim="800000"/>
+              <a:headEnd/>
+              <a:tailEnd/>
+            </a:ln>
+            <a:extLst>
+              <a:ext uri="{909E8E84-426E-40DD-AFC4-6F175D3DCCD1}">
+                <a14:hiddenFill xmlns:a14="http://schemas.microsoft.com/office/drawing/2010/main">
+                  <a:solidFill>
+                    <a:srgbClr val="FFFFFF"/>
+                  </a:solidFill>
+                </a14:hiddenFill>
+              </a:ext>
+            </a:extLst>
+          </p:spPr>
+        </p:sp>
+        <p:sp>
+          <p:nvSpPr>
+            <p:cNvPr id="29" name="Freeform 23">
+              <a:extLst>
+                <a:ext uri="{FF2B5EF4-FFF2-40B4-BE49-F238E27FC236}">
+                  <a16:creationId xmlns:a16="http://schemas.microsoft.com/office/drawing/2014/main" id="{A2576784-872E-494C-A041-0E346226B72A}"/>
+                </a:ext>
+                <a:ext uri="{C183D7F6-B498-43B3-948B-1728B52AA6E4}">
+                  <adec:decorative xmlns:adec="http://schemas.microsoft.com/office/drawing/2017/decorative" val="1"/>
+                </a:ext>
+              </a:extLst>
+            </p:cNvPr>
+            <p:cNvSpPr/>
+            <p:nvPr>
+              <p:extLst>
+                <p:ext uri="{386F3935-93C4-4BCD-93E2-E3B085C9AB24}">
+                  <p16:designElem xmlns:p16="http://schemas.microsoft.com/office/powerpoint/2015/main" val="1"/>
+                </p:ext>
+              </p:extLst>
+            </p:nvPr>
+          </p:nvSpPr>
+          <p:spPr bwMode="auto">
+            <a:xfrm>
+              <a:off x="11290826" y="5579"/>
+              <a:ext cx="895350" cy="534687"/>
+            </a:xfrm>
+            <a:custGeom>
+              <a:avLst/>
+              <a:gdLst/>
+              <a:ahLst/>
+              <a:cxnLst/>
+              <a:rect l="0" t="0" r="r" b="b"/>
+              <a:pathLst>
+                <a:path w="188" h="112">
+                  <a:moveTo>
+                    <a:pt x="0" y="0"/>
+                  </a:moveTo>
+                  <a:cubicBezTo>
+                    <a:pt x="63" y="36"/>
+                    <a:pt x="126" y="73"/>
+                    <a:pt x="188" y="112"/>
+                  </a:cubicBezTo>
+                </a:path>
+              </a:pathLst>
+            </a:custGeom>
+            <a:noFill/>
+            <a:ln w="9525" cap="flat">
+              <a:solidFill>
+                <a:schemeClr val="tx1">
+                  <a:alpha val="20000"/>
+                </a:schemeClr>
+              </a:solidFill>
+              <a:prstDash val="solid"/>
+              <a:miter lim="800000"/>
+              <a:headEnd/>
+              <a:tailEnd/>
+            </a:ln>
+            <a:extLst>
+              <a:ext uri="{909E8E84-426E-40DD-AFC4-6F175D3DCCD1}">
+                <a14:hiddenFill xmlns:a14="http://schemas.microsoft.com/office/drawing/2010/main">
+                  <a:solidFill>
+                    <a:srgbClr val="FFFFFF"/>
+                  </a:solidFill>
+                </a14:hiddenFill>
+              </a:ext>
+            </a:extLst>
+          </p:spPr>
+        </p:sp>
+      </p:grpSp>
+      <p:grpSp>
+        <p:nvGrpSpPr>
+          <p:cNvPr id="31" name="Group 30">
+            <a:extLst>
+              <a:ext uri="{FF2B5EF4-FFF2-40B4-BE49-F238E27FC236}">
+                <a16:creationId xmlns:a16="http://schemas.microsoft.com/office/drawing/2014/main" id="{B54F73D8-62C2-4127-9D19-01219BBB9942}"/>
+              </a:ext>
+              <a:ext uri="{C183D7F6-B498-43B3-948B-1728B52AA6E4}">
+                <adec:decorative xmlns:adec="http://schemas.microsoft.com/office/drawing/2017/decorative" val="1"/>
+              </a:ext>
+            </a:extLst>
+          </p:cNvPr>
+          <p:cNvGrpSpPr>
+            <a:grpSpLocks noGrp="1" noUngrp="1" noRot="1" noChangeAspect="1" noMove="1" noResize="1"/>
+          </p:cNvGrpSpPr>
+          <p:nvPr>
+            <p:extLst>
+              <p:ext uri="{386F3935-93C4-4BCD-93E2-E3B085C9AB24}">
+                <p16:designElem xmlns:p16="http://schemas.microsoft.com/office/powerpoint/2015/main" val="1"/>
+              </p:ext>
+            </p:extLst>
+          </p:nvPr>
+        </p:nvGrpSpPr>
+        <p:grpSpPr>
+          <a:xfrm>
+            <a:off x="1669293" y="1186483"/>
+            <a:ext cx="8848345" cy="4477933"/>
+            <a:chOff x="1669293" y="1186483"/>
+            <a:chExt cx="8848345" cy="4477933"/>
+          </a:xfrm>
+        </p:grpSpPr>
+        <p:sp>
+          <p:nvSpPr>
+            <p:cNvPr id="32" name="Rectangle 31">
+              <a:extLst>
+                <a:ext uri="{FF2B5EF4-FFF2-40B4-BE49-F238E27FC236}">
+                  <a16:creationId xmlns:a16="http://schemas.microsoft.com/office/drawing/2014/main" id="{CFD8CA02-9BE5-4B82-8129-6EF61840247C}"/>
+                </a:ext>
+                <a:ext uri="{C183D7F6-B498-43B3-948B-1728B52AA6E4}">
+                  <adec:decorative xmlns:adec="http://schemas.microsoft.com/office/drawing/2017/decorative" val="1"/>
+                </a:ext>
+              </a:extLst>
+            </p:cNvPr>
+            <p:cNvSpPr/>
+            <p:nvPr>
+              <p:extLst>
+                <p:ext uri="{386F3935-93C4-4BCD-93E2-E3B085C9AB24}">
+                  <p16:designElem xmlns:p16="http://schemas.microsoft.com/office/powerpoint/2015/main" val="1"/>
+                </p:ext>
+              </p:extLst>
+            </p:nvPr>
+          </p:nvSpPr>
+          <p:spPr>
+            <a:xfrm>
+              <a:off x="1674042" y="1186483"/>
+              <a:ext cx="8843596" cy="716184"/>
+            </a:xfrm>
+            <a:prstGeom prst="rect">
+              <a:avLst/>
+            </a:prstGeom>
+            <a:solidFill>
+              <a:schemeClr val="accent1"/>
+            </a:solidFill>
+            <a:ln>
+              <a:noFill/>
+            </a:ln>
+          </p:spPr>
+          <p:style>
+            <a:lnRef idx="2">
+              <a:schemeClr val="accent1">
+                <a:shade val="50000"/>
+              </a:schemeClr>
+            </a:lnRef>
+            <a:fillRef idx="1">
+              <a:schemeClr val="accent1"/>
+            </a:fillRef>
+            <a:effectRef idx="0">
+              <a:schemeClr val="accent1"/>
+            </a:effectRef>
+            <a:fontRef idx="minor">
+              <a:schemeClr val="lt1"/>
+            </a:fontRef>
+          </p:style>
+        </p:sp>
+        <p:sp>
+          <p:nvSpPr>
+            <p:cNvPr id="33" name="Isosceles Triangle 32">
+              <a:extLst>
+                <a:ext uri="{FF2B5EF4-FFF2-40B4-BE49-F238E27FC236}">
+                  <a16:creationId xmlns:a16="http://schemas.microsoft.com/office/drawing/2014/main" id="{01515E68-030C-4313-B300-35253163D3F3}"/>
+                </a:ext>
+                <a:ext uri="{C183D7F6-B498-43B3-948B-1728B52AA6E4}">
+                  <adec:decorative xmlns:adec="http://schemas.microsoft.com/office/drawing/2017/decorative" val="1"/>
+                </a:ext>
+              </a:extLst>
+            </p:cNvPr>
+            <p:cNvSpPr/>
+            <p:nvPr>
+              <p:extLst>
+                <p:ext uri="{386F3935-93C4-4BCD-93E2-E3B085C9AB24}">
+                  <p16:designElem xmlns:p16="http://schemas.microsoft.com/office/powerpoint/2015/main" val="1"/>
+                </p:ext>
+              </p:extLst>
+            </p:nvPr>
+          </p:nvSpPr>
+          <p:spPr>
+            <a:xfrm rot="10800000">
+              <a:off x="5892384" y="5313353"/>
+              <a:ext cx="407233" cy="351063"/>
+            </a:xfrm>
+            <a:prstGeom prst="triangle">
+              <a:avLst/>
+            </a:prstGeom>
+            <a:solidFill>
+              <a:schemeClr val="accent1"/>
+            </a:solidFill>
+            <a:ln>
+              <a:noFill/>
+            </a:ln>
+          </p:spPr>
+          <p:style>
+            <a:lnRef idx="2">
+              <a:schemeClr val="accent1">
+                <a:shade val="50000"/>
+              </a:schemeClr>
+            </a:lnRef>
+            <a:fillRef idx="1">
+              <a:schemeClr val="accent1"/>
+            </a:fillRef>
+            <a:effectRef idx="0">
+              <a:schemeClr val="accent1"/>
+            </a:effectRef>
+            <a:fontRef idx="minor">
+              <a:schemeClr val="lt1"/>
+            </a:fontRef>
+          </p:style>
+        </p:sp>
+        <p:sp>
+          <p:nvSpPr>
+            <p:cNvPr id="34" name="Rectangle 33">
+              <a:extLst>
+                <a:ext uri="{FF2B5EF4-FFF2-40B4-BE49-F238E27FC236}">
+                  <a16:creationId xmlns:a16="http://schemas.microsoft.com/office/drawing/2014/main" id="{1937725F-1DDF-4225-937E-106DBB047F0A}"/>
+                </a:ext>
+                <a:ext uri="{C183D7F6-B498-43B3-948B-1728B52AA6E4}">
+                  <adec:decorative xmlns:adec="http://schemas.microsoft.com/office/drawing/2017/decorative" val="1"/>
+                </a:ext>
+              </a:extLst>
+            </p:cNvPr>
+            <p:cNvSpPr/>
+            <p:nvPr>
+              <p:extLst>
+                <p:ext uri="{386F3935-93C4-4BCD-93E2-E3B085C9AB24}">
+                  <p16:designElem xmlns:p16="http://schemas.microsoft.com/office/powerpoint/2015/main" val="1"/>
+                </p:ext>
+              </p:extLst>
+            </p:nvPr>
+          </p:nvSpPr>
+          <p:spPr>
+            <a:xfrm>
+              <a:off x="1669293" y="1991156"/>
+              <a:ext cx="8845667" cy="3322196"/>
+            </a:xfrm>
+            <a:prstGeom prst="rect">
+              <a:avLst/>
+            </a:prstGeom>
+            <a:solidFill>
+              <a:schemeClr val="accent1"/>
+            </a:solidFill>
+            <a:ln>
+              <a:noFill/>
+            </a:ln>
+          </p:spPr>
+          <p:style>
+            <a:lnRef idx="2">
+              <a:schemeClr val="accent1">
+                <a:shade val="50000"/>
+              </a:schemeClr>
+            </a:lnRef>
+            <a:fillRef idx="1">
+              <a:schemeClr val="accent1"/>
+            </a:fillRef>
+            <a:effectRef idx="0">
+              <a:schemeClr val="accent1"/>
+            </a:effectRef>
+            <a:fontRef idx="minor">
+              <a:schemeClr val="lt1"/>
+            </a:fontRef>
+          </p:style>
+        </p:sp>
+      </p:grpSp>
+      <p:sp useBgFill="1">
+        <p:nvSpPr>
+          <p:cNvPr id="36" name="Rectangle 35">
+            <a:extLst>
+              <a:ext uri="{FF2B5EF4-FFF2-40B4-BE49-F238E27FC236}">
+                <a16:creationId xmlns:a16="http://schemas.microsoft.com/office/drawing/2014/main" id="{9499C9FE-4B17-4937-9EB8-3E1A97E32D88}"/>
+              </a:ext>
+              <a:ext uri="{C183D7F6-B498-43B3-948B-1728B52AA6E4}">
+                <adec:decorative xmlns:adec="http://schemas.microsoft.com/office/drawing/2017/decorative" val="1"/>
+              </a:ext>
+            </a:extLst>
+          </p:cNvPr>
+          <p:cNvSpPr>
+            <a:spLocks noGrp="1" noRot="1" noChangeAspect="1" noMove="1" noResize="1" noEditPoints="1" noAdjustHandles="1" noChangeArrowheads="1" noChangeShapeType="1" noTextEdit="1"/>
+          </p:cNvSpPr>
+          <p:nvPr>
+            <p:extLst>
+              <p:ext uri="{386F3935-93C4-4BCD-93E2-E3B085C9AB24}">
+                <p16:designElem xmlns:p16="http://schemas.microsoft.com/office/powerpoint/2015/main" val="1"/>
+              </p:ext>
+            </p:extLst>
+          </p:nvPr>
+        </p:nvSpPr>
+        <p:spPr>
+          <a:xfrm>
+            <a:off x="0" y="0"/>
+            <a:ext cx="12191695" cy="6858000"/>
+          </a:xfrm>
+          <a:prstGeom prst="rect">
+            <a:avLst/>
+          </a:prstGeom>
+          <a:ln>
+            <a:noFill/>
+          </a:ln>
+        </p:spPr>
+        <p:style>
+          <a:lnRef idx="2">
+            <a:schemeClr val="accent1">
+              <a:shade val="50000"/>
+            </a:schemeClr>
+          </a:lnRef>
+          <a:fillRef idx="1">
+            <a:schemeClr val="accent1"/>
+          </a:fillRef>
+          <a:effectRef idx="0">
+            <a:schemeClr val="accent1"/>
+          </a:effectRef>
+          <a:fontRef idx="minor">
+            <a:schemeClr val="lt1"/>
+          </a:fontRef>
+        </p:style>
+        <p:txBody>
+          <a:bodyPr rtlCol="0" anchor="ctr"/>
+          <a:lstStyle/>
+          <a:p>
+            <a:pPr algn="ctr"/>
+            <a:endParaRPr lang="en-US"/>
+          </a:p>
+        </p:txBody>
+      </p:sp>
+      <p:grpSp>
+        <p:nvGrpSpPr>
+          <p:cNvPr id="38" name="Group 37">
+            <a:extLst>
+              <a:ext uri="{FF2B5EF4-FFF2-40B4-BE49-F238E27FC236}">
+                <a16:creationId xmlns:a16="http://schemas.microsoft.com/office/drawing/2014/main" id="{BA1AA859-8E3B-49BF-83F6-ADF050A2CF37}"/>
+              </a:ext>
+              <a:ext uri="{C183D7F6-B498-43B3-948B-1728B52AA6E4}">
+                <adec:decorative xmlns:adec="http://schemas.microsoft.com/office/drawing/2017/decorative" val="1"/>
+              </a:ext>
+            </a:extLst>
+          </p:cNvPr>
+          <p:cNvGrpSpPr>
+            <a:grpSpLocks noGrp="1" noUngrp="1" noRot="1" noChangeAspect="1" noMove="1" noResize="1"/>
+          </p:cNvGrpSpPr>
+          <p:nvPr>
+            <p:extLst>
+              <p:ext uri="{386F3935-93C4-4BCD-93E2-E3B085C9AB24}">
+                <p16:designElem xmlns:p16="http://schemas.microsoft.com/office/powerpoint/2015/main" val="1"/>
+              </p:ext>
+            </p:extLst>
+          </p:nvPr>
+        </p:nvGrpSpPr>
+        <p:grpSpPr>
+          <a:xfrm>
+            <a:off x="-329674" y="-59376"/>
+            <a:ext cx="12515851" cy="6923798"/>
+            <a:chOff x="-329674" y="-51881"/>
+            <a:chExt cx="12515851" cy="6923798"/>
+          </a:xfrm>
+        </p:grpSpPr>
+        <p:sp>
+          <p:nvSpPr>
+            <p:cNvPr id="39" name="Freeform 5">
+              <a:extLst>
+                <a:ext uri="{FF2B5EF4-FFF2-40B4-BE49-F238E27FC236}">
+                  <a16:creationId xmlns:a16="http://schemas.microsoft.com/office/drawing/2014/main" id="{EA5E9A71-2A94-4FAA-859F-1930C2E9187B}"/>
+                </a:ext>
+                <a:ext uri="{C183D7F6-B498-43B3-948B-1728B52AA6E4}">
+                  <adec:decorative xmlns:adec="http://schemas.microsoft.com/office/drawing/2017/decorative" val="1"/>
+                </a:ext>
+              </a:extLst>
+            </p:cNvPr>
+            <p:cNvSpPr>
+              <a:spLocks/>
+            </p:cNvSpPr>
+            <p:nvPr>
+              <p:extLst>
+                <p:ext uri="{386F3935-93C4-4BCD-93E2-E3B085C9AB24}">
+                  <p16:designElem xmlns:p16="http://schemas.microsoft.com/office/powerpoint/2015/main" val="1"/>
+                </p:ext>
+              </p:extLst>
+            </p:nvPr>
+          </p:nvSpPr>
+          <p:spPr bwMode="auto">
+            <a:xfrm>
+              <a:off x="-329674" y="1298404"/>
+              <a:ext cx="9702800" cy="5573512"/>
+            </a:xfrm>
+            <a:custGeom>
+              <a:avLst/>
+              <a:gdLst>
+                <a:gd name="T0" fmla="*/ 1752 w 2038"/>
+                <a:gd name="T1" fmla="*/ 1169 h 1169"/>
+                <a:gd name="T2" fmla="*/ 1487 w 2038"/>
+                <a:gd name="T3" fmla="*/ 334 h 1169"/>
+                <a:gd name="T4" fmla="*/ 860 w 2038"/>
+                <a:gd name="T5" fmla="*/ 22 h 1169"/>
+                <a:gd name="T6" fmla="*/ 199 w 2038"/>
+                <a:gd name="T7" fmla="*/ 318 h 1169"/>
+                <a:gd name="T8" fmla="*/ 399 w 2038"/>
+                <a:gd name="T9" fmla="*/ 1165 h 1169"/>
+              </a:gdLst>
+              <a:ahLst/>
+              <a:cxnLst>
+                <a:cxn ang="0">
+                  <a:pos x="T0" y="T1"/>
+                </a:cxn>
+                <a:cxn ang="0">
+                  <a:pos x="T2" y="T3"/>
+                </a:cxn>
+                <a:cxn ang="0">
+                  <a:pos x="T4" y="T5"/>
+                </a:cxn>
+                <a:cxn ang="0">
+                  <a:pos x="T6" y="T7"/>
+                </a:cxn>
+                <a:cxn ang="0">
+                  <a:pos x="T8" y="T9"/>
+                </a:cxn>
+              </a:cxnLst>
+              <a:rect l="0" t="0" r="r" b="b"/>
+              <a:pathLst>
+                <a:path w="2038" h="1169">
+                  <a:moveTo>
+                    <a:pt x="1752" y="1169"/>
+                  </a:moveTo>
+                  <a:cubicBezTo>
+                    <a:pt x="2038" y="928"/>
+                    <a:pt x="1673" y="513"/>
+                    <a:pt x="1487" y="334"/>
+                  </a:cubicBezTo>
+                  <a:cubicBezTo>
+                    <a:pt x="1316" y="170"/>
+                    <a:pt x="1099" y="43"/>
+                    <a:pt x="860" y="22"/>
+                  </a:cubicBezTo>
+                  <a:cubicBezTo>
+                    <a:pt x="621" y="0"/>
+                    <a:pt x="341" y="128"/>
+                    <a:pt x="199" y="318"/>
+                  </a:cubicBezTo>
+                  <a:cubicBezTo>
+                    <a:pt x="0" y="586"/>
+                    <a:pt x="184" y="965"/>
+                    <a:pt x="399" y="1165"/>
+                  </a:cubicBezTo>
+                </a:path>
+              </a:pathLst>
+            </a:custGeom>
+            <a:noFill/>
+            <a:ln w="9525" cap="flat">
+              <a:solidFill>
+                <a:schemeClr val="tx1">
+                  <a:alpha val="20000"/>
+                </a:schemeClr>
+              </a:solidFill>
+              <a:prstDash val="solid"/>
+              <a:miter lim="800000"/>
+              <a:headEnd/>
+              <a:tailEnd/>
+            </a:ln>
+            <a:extLst>
+              <a:ext uri="{909E8E84-426E-40DD-AFC4-6F175D3DCCD1}">
+                <a14:hiddenFill xmlns:a14="http://schemas.microsoft.com/office/drawing/2010/main">
+                  <a:solidFill>
+                    <a:srgbClr val="FFFFFF"/>
+                  </a:solidFill>
+                </a14:hiddenFill>
+              </a:ext>
+            </a:extLst>
+          </p:spPr>
+          <p:txBody>
+            <a:bodyPr vert="horz" wrap="square" lIns="91440" tIns="45720" rIns="91440" bIns="45720" numCol="1" anchor="t" anchorCtr="0" compatLnSpc="1">
+              <a:prstTxWarp prst="textNoShape">
+                <a:avLst/>
+              </a:prstTxWarp>
+            </a:bodyPr>
+            <a:lstStyle/>
+            <a:p>
+              <a:endParaRPr lang="en-US"/>
+            </a:p>
+          </p:txBody>
+        </p:sp>
+        <p:sp>
+          <p:nvSpPr>
+            <p:cNvPr id="40" name="Freeform 6">
+              <a:extLst>
+                <a:ext uri="{FF2B5EF4-FFF2-40B4-BE49-F238E27FC236}">
+                  <a16:creationId xmlns:a16="http://schemas.microsoft.com/office/drawing/2014/main" id="{15C43A1A-EE63-4F18-BA50-6BCC0C5FB00A}"/>
+                </a:ext>
+                <a:ext uri="{C183D7F6-B498-43B3-948B-1728B52AA6E4}">
+                  <adec:decorative xmlns:adec="http://schemas.microsoft.com/office/drawing/2017/decorative" val="1"/>
+                </a:ext>
+              </a:extLst>
+            </p:cNvPr>
+            <p:cNvSpPr>
+              <a:spLocks/>
+            </p:cNvSpPr>
+            <p:nvPr>
+              <p:extLst>
+                <p:ext uri="{386F3935-93C4-4BCD-93E2-E3B085C9AB24}">
+                  <p16:designElem xmlns:p16="http://schemas.microsoft.com/office/powerpoint/2015/main" val="1"/>
+                </p:ext>
+              </p:extLst>
+            </p:nvPr>
+          </p:nvSpPr>
+          <p:spPr bwMode="auto">
+            <a:xfrm>
+              <a:off x="670451" y="2018236"/>
+              <a:ext cx="7373938" cy="4848892"/>
+            </a:xfrm>
+            <a:custGeom>
+              <a:avLst/>
+              <a:gdLst>
+                <a:gd name="T0" fmla="*/ 1025 w 1549"/>
+                <a:gd name="T1" fmla="*/ 1016 h 1017"/>
+                <a:gd name="T2" fmla="*/ 1443 w 1549"/>
+                <a:gd name="T3" fmla="*/ 592 h 1017"/>
+                <a:gd name="T4" fmla="*/ 782 w 1549"/>
+                <a:gd name="T5" fmla="*/ 53 h 1017"/>
+                <a:gd name="T6" fmla="*/ 150 w 1549"/>
+                <a:gd name="T7" fmla="*/ 329 h 1017"/>
+                <a:gd name="T8" fmla="*/ 477 w 1549"/>
+                <a:gd name="T9" fmla="*/ 1017 h 1017"/>
+              </a:gdLst>
+              <a:ahLst/>
+              <a:cxnLst>
+                <a:cxn ang="0">
+                  <a:pos x="T0" y="T1"/>
+                </a:cxn>
+                <a:cxn ang="0">
+                  <a:pos x="T2" y="T3"/>
+                </a:cxn>
+                <a:cxn ang="0">
+                  <a:pos x="T4" y="T5"/>
+                </a:cxn>
+                <a:cxn ang="0">
+                  <a:pos x="T6" y="T7"/>
+                </a:cxn>
+                <a:cxn ang="0">
+                  <a:pos x="T8" y="T9"/>
+                </a:cxn>
+              </a:cxnLst>
+              <a:rect l="0" t="0" r="r" b="b"/>
+              <a:pathLst>
+                <a:path w="1549" h="1017">
+                  <a:moveTo>
+                    <a:pt x="1025" y="1016"/>
+                  </a:moveTo>
+                  <a:cubicBezTo>
+                    <a:pt x="1223" y="971"/>
+                    <a:pt x="1549" y="857"/>
+                    <a:pt x="1443" y="592"/>
+                  </a:cubicBezTo>
+                  <a:cubicBezTo>
+                    <a:pt x="1344" y="344"/>
+                    <a:pt x="1041" y="111"/>
+                    <a:pt x="782" y="53"/>
+                  </a:cubicBezTo>
+                  <a:cubicBezTo>
+                    <a:pt x="545" y="0"/>
+                    <a:pt x="275" y="117"/>
+                    <a:pt x="150" y="329"/>
+                  </a:cubicBezTo>
+                  <a:cubicBezTo>
+                    <a:pt x="0" y="584"/>
+                    <a:pt x="243" y="911"/>
+                    <a:pt x="477" y="1017"/>
+                  </a:cubicBezTo>
+                </a:path>
+              </a:pathLst>
+            </a:custGeom>
+            <a:noFill/>
+            <a:ln w="9525" cap="flat">
+              <a:solidFill>
+                <a:schemeClr val="tx1">
+                  <a:alpha val="20000"/>
+                </a:schemeClr>
+              </a:solidFill>
+              <a:prstDash val="solid"/>
+              <a:miter lim="800000"/>
+              <a:headEnd/>
+              <a:tailEnd/>
+            </a:ln>
+            <a:extLst>
+              <a:ext uri="{909E8E84-426E-40DD-AFC4-6F175D3DCCD1}">
+                <a14:hiddenFill xmlns:a14="http://schemas.microsoft.com/office/drawing/2010/main">
+                  <a:solidFill>
+                    <a:srgbClr val="FFFFFF"/>
+                  </a:solidFill>
+                </a14:hiddenFill>
+              </a:ext>
+            </a:extLst>
+          </p:spPr>
+          <p:txBody>
+            <a:bodyPr vert="horz" wrap="square" lIns="91440" tIns="45720" rIns="91440" bIns="45720" numCol="1" anchor="t" anchorCtr="0" compatLnSpc="1">
+              <a:prstTxWarp prst="textNoShape">
+                <a:avLst/>
+              </a:prstTxWarp>
+            </a:bodyPr>
+            <a:lstStyle/>
+            <a:p>
+              <a:endParaRPr lang="en-US"/>
+            </a:p>
+          </p:txBody>
+        </p:sp>
+        <p:sp>
+          <p:nvSpPr>
+            <p:cNvPr id="41" name="Freeform 7">
+              <a:extLst>
+                <a:ext uri="{FF2B5EF4-FFF2-40B4-BE49-F238E27FC236}">
+                  <a16:creationId xmlns:a16="http://schemas.microsoft.com/office/drawing/2014/main" id="{D20E631E-2C68-4E27-B833-094ECE50952B}"/>
+                </a:ext>
+                <a:ext uri="{C183D7F6-B498-43B3-948B-1728B52AA6E4}">
+                  <adec:decorative xmlns:adec="http://schemas.microsoft.com/office/drawing/2017/decorative" val="1"/>
+                </a:ext>
+              </a:extLst>
+            </p:cNvPr>
+            <p:cNvSpPr>
+              <a:spLocks/>
+            </p:cNvSpPr>
+            <p:nvPr>
+              <p:extLst>
+                <p:ext uri="{386F3935-93C4-4BCD-93E2-E3B085C9AB24}">
+                  <p16:designElem xmlns:p16="http://schemas.microsoft.com/office/powerpoint/2015/main" val="1"/>
+                </p:ext>
+              </p:extLst>
+            </p:nvPr>
+          </p:nvSpPr>
+          <p:spPr bwMode="auto">
+            <a:xfrm>
+              <a:off x="251351" y="1788400"/>
+              <a:ext cx="8035925" cy="5083516"/>
+            </a:xfrm>
+            <a:custGeom>
+              <a:avLst/>
+              <a:gdLst>
+                <a:gd name="T0" fmla="*/ 1302 w 1688"/>
+                <a:gd name="T1" fmla="*/ 1066 h 1066"/>
+                <a:gd name="T2" fmla="*/ 1613 w 1688"/>
+                <a:gd name="T3" fmla="*/ 850 h 1066"/>
+                <a:gd name="T4" fmla="*/ 1517 w 1688"/>
+                <a:gd name="T5" fmla="*/ 471 h 1066"/>
+                <a:gd name="T6" fmla="*/ 798 w 1688"/>
+                <a:gd name="T7" fmla="*/ 28 h 1066"/>
+                <a:gd name="T8" fmla="*/ 181 w 1688"/>
+                <a:gd name="T9" fmla="*/ 333 h 1066"/>
+                <a:gd name="T10" fmla="*/ 420 w 1688"/>
+                <a:gd name="T11" fmla="*/ 1066 h 1066"/>
+              </a:gdLst>
+              <a:ahLst/>
+              <a:cxnLst>
+                <a:cxn ang="0">
+                  <a:pos x="T0" y="T1"/>
+                </a:cxn>
+                <a:cxn ang="0">
+                  <a:pos x="T2" y="T3"/>
+                </a:cxn>
+                <a:cxn ang="0">
+                  <a:pos x="T4" y="T5"/>
+                </a:cxn>
+                <a:cxn ang="0">
+                  <a:pos x="T6" y="T7"/>
+                </a:cxn>
+                <a:cxn ang="0">
+                  <a:pos x="T8" y="T9"/>
+                </a:cxn>
+                <a:cxn ang="0">
+                  <a:pos x="T10" y="T11"/>
+                </a:cxn>
+              </a:cxnLst>
+              <a:rect l="0" t="0" r="r" b="b"/>
+              <a:pathLst>
+                <a:path w="1688" h="1066">
+                  <a:moveTo>
+                    <a:pt x="1302" y="1066"/>
+                  </a:moveTo>
+                  <a:cubicBezTo>
+                    <a:pt x="1416" y="1024"/>
+                    <a:pt x="1551" y="962"/>
+                    <a:pt x="1613" y="850"/>
+                  </a:cubicBezTo>
+                  <a:cubicBezTo>
+                    <a:pt x="1688" y="715"/>
+                    <a:pt x="1606" y="575"/>
+                    <a:pt x="1517" y="471"/>
+                  </a:cubicBezTo>
+                  <a:cubicBezTo>
+                    <a:pt x="1336" y="258"/>
+                    <a:pt x="1084" y="62"/>
+                    <a:pt x="798" y="28"/>
+                  </a:cubicBezTo>
+                  <a:cubicBezTo>
+                    <a:pt x="559" y="0"/>
+                    <a:pt x="317" y="138"/>
+                    <a:pt x="181" y="333"/>
+                  </a:cubicBezTo>
+                  <a:cubicBezTo>
+                    <a:pt x="0" y="592"/>
+                    <a:pt x="191" y="907"/>
+                    <a:pt x="420" y="1066"/>
+                  </a:cubicBezTo>
+                </a:path>
+              </a:pathLst>
+            </a:custGeom>
+            <a:noFill/>
+            <a:ln w="9525" cap="flat">
+              <a:solidFill>
+                <a:schemeClr val="tx1">
+                  <a:alpha val="20000"/>
+                </a:schemeClr>
+              </a:solidFill>
+              <a:prstDash val="dash"/>
+              <a:miter lim="800000"/>
+              <a:headEnd/>
+              <a:tailEnd/>
+            </a:ln>
+            <a:extLst>
+              <a:ext uri="{909E8E84-426E-40DD-AFC4-6F175D3DCCD1}">
+                <a14:hiddenFill xmlns:a14="http://schemas.microsoft.com/office/drawing/2010/main">
+                  <a:solidFill>
+                    <a:srgbClr val="FFFFFF"/>
+                  </a:solidFill>
+                </a14:hiddenFill>
+              </a:ext>
+            </a:extLst>
+          </p:spPr>
+          <p:txBody>
+            <a:bodyPr vert="horz" wrap="square" lIns="91440" tIns="45720" rIns="91440" bIns="45720" numCol="1" anchor="t" anchorCtr="0" compatLnSpc="1">
+              <a:prstTxWarp prst="textNoShape">
+                <a:avLst/>
+              </a:prstTxWarp>
+            </a:bodyPr>
+            <a:lstStyle/>
+            <a:p>
+              <a:endParaRPr lang="en-US"/>
+            </a:p>
+          </p:txBody>
+        </p:sp>
+        <p:sp>
+          <p:nvSpPr>
+            <p:cNvPr id="42" name="Freeform 8">
+              <a:extLst>
+                <a:ext uri="{FF2B5EF4-FFF2-40B4-BE49-F238E27FC236}">
+                  <a16:creationId xmlns:a16="http://schemas.microsoft.com/office/drawing/2014/main" id="{2446723A-FC6F-4012-8557-06069FA130F7}"/>
+                </a:ext>
+                <a:ext uri="{C183D7F6-B498-43B3-948B-1728B52AA6E4}">
+                  <adec:decorative xmlns:adec="http://schemas.microsoft.com/office/drawing/2017/decorative" val="1"/>
+                </a:ext>
+              </a:extLst>
+            </p:cNvPr>
+            <p:cNvSpPr>
+              <a:spLocks/>
+            </p:cNvSpPr>
+            <p:nvPr>
+              <p:extLst>
+                <p:ext uri="{386F3935-93C4-4BCD-93E2-E3B085C9AB24}">
+                  <p16:designElem xmlns:p16="http://schemas.microsoft.com/office/powerpoint/2015/main" val="1"/>
+                </p:ext>
+              </p:extLst>
+            </p:nvPr>
+          </p:nvSpPr>
+          <p:spPr bwMode="auto">
+            <a:xfrm>
+              <a:off x="-1061" y="549842"/>
+              <a:ext cx="10334625" cy="6322075"/>
+            </a:xfrm>
+            <a:custGeom>
+              <a:avLst/>
+              <a:gdLst>
+                <a:gd name="T0" fmla="*/ 1873 w 2171"/>
+                <a:gd name="T1" fmla="*/ 1326 h 1326"/>
+                <a:gd name="T2" fmla="*/ 1609 w 2171"/>
+                <a:gd name="T3" fmla="*/ 473 h 1326"/>
+                <a:gd name="T4" fmla="*/ 880 w 2171"/>
+                <a:gd name="T5" fmla="*/ 63 h 1326"/>
+                <a:gd name="T6" fmla="*/ 0 w 2171"/>
+                <a:gd name="T7" fmla="*/ 423 h 1326"/>
+              </a:gdLst>
+              <a:ahLst/>
+              <a:cxnLst>
+                <a:cxn ang="0">
+                  <a:pos x="T0" y="T1"/>
+                </a:cxn>
+                <a:cxn ang="0">
+                  <a:pos x="T2" y="T3"/>
+                </a:cxn>
+                <a:cxn ang="0">
+                  <a:pos x="T4" y="T5"/>
+                </a:cxn>
+                <a:cxn ang="0">
+                  <a:pos x="T6" y="T7"/>
+                </a:cxn>
+              </a:cxnLst>
+              <a:rect l="0" t="0" r="r" b="b"/>
+              <a:pathLst>
+                <a:path w="2171" h="1326">
+                  <a:moveTo>
+                    <a:pt x="1873" y="1326"/>
+                  </a:moveTo>
+                  <a:cubicBezTo>
+                    <a:pt x="2171" y="1045"/>
+                    <a:pt x="1825" y="678"/>
+                    <a:pt x="1609" y="473"/>
+                  </a:cubicBezTo>
+                  <a:cubicBezTo>
+                    <a:pt x="1406" y="281"/>
+                    <a:pt x="1159" y="116"/>
+                    <a:pt x="880" y="63"/>
+                  </a:cubicBezTo>
+                  <a:cubicBezTo>
+                    <a:pt x="545" y="0"/>
+                    <a:pt x="214" y="161"/>
+                    <a:pt x="0" y="423"/>
+                  </a:cubicBezTo>
+                </a:path>
+              </a:pathLst>
+            </a:custGeom>
+            <a:noFill/>
+            <a:ln w="9525" cap="flat">
+              <a:solidFill>
+                <a:schemeClr val="tx1">
+                  <a:alpha val="20000"/>
+                </a:schemeClr>
+              </a:solidFill>
+              <a:prstDash val="solid"/>
+              <a:miter lim="800000"/>
+              <a:headEnd/>
+              <a:tailEnd/>
+            </a:ln>
+            <a:extLst>
+              <a:ext uri="{909E8E84-426E-40DD-AFC4-6F175D3DCCD1}">
+                <a14:hiddenFill xmlns:a14="http://schemas.microsoft.com/office/drawing/2010/main">
+                  <a:solidFill>
+                    <a:srgbClr val="FFFFFF"/>
+                  </a:solidFill>
+                </a14:hiddenFill>
+              </a:ext>
+            </a:extLst>
+          </p:spPr>
+          <p:txBody>
+            <a:bodyPr vert="horz" wrap="square" lIns="91440" tIns="45720" rIns="91440" bIns="45720" numCol="1" anchor="t" anchorCtr="0" compatLnSpc="1">
+              <a:prstTxWarp prst="textNoShape">
+                <a:avLst/>
+              </a:prstTxWarp>
+            </a:bodyPr>
+            <a:lstStyle/>
+            <a:p>
+              <a:endParaRPr lang="en-US"/>
+            </a:p>
+          </p:txBody>
+        </p:sp>
+        <p:sp>
+          <p:nvSpPr>
+            <p:cNvPr id="43" name="Freeform 9">
+              <a:extLst>
+                <a:ext uri="{FF2B5EF4-FFF2-40B4-BE49-F238E27FC236}">
+                  <a16:creationId xmlns:a16="http://schemas.microsoft.com/office/drawing/2014/main" id="{7F3D87D4-252C-4471-A220-28B58BF4391B}"/>
+                </a:ext>
+                <a:ext uri="{C183D7F6-B498-43B3-948B-1728B52AA6E4}">
+                  <adec:decorative xmlns:adec="http://schemas.microsoft.com/office/drawing/2017/decorative" val="1"/>
+                </a:ext>
+              </a:extLst>
+            </p:cNvPr>
+            <p:cNvSpPr>
+              <a:spLocks/>
+            </p:cNvSpPr>
+            <p:nvPr>
+              <p:extLst>
+                <p:ext uri="{386F3935-93C4-4BCD-93E2-E3B085C9AB24}">
+                  <p16:designElem xmlns:p16="http://schemas.microsoft.com/office/powerpoint/2015/main" val="1"/>
+                </p:ext>
+              </p:extLst>
+            </p:nvPr>
+          </p:nvSpPr>
+          <p:spPr bwMode="auto">
+            <a:xfrm>
+              <a:off x="3701" y="6186246"/>
+              <a:ext cx="504825" cy="681527"/>
+            </a:xfrm>
+            <a:custGeom>
+              <a:avLst/>
+              <a:gdLst>
+                <a:gd name="T0" fmla="*/ 0 w 106"/>
+                <a:gd name="T1" fmla="*/ 0 h 143"/>
+                <a:gd name="T2" fmla="*/ 106 w 106"/>
+                <a:gd name="T3" fmla="*/ 143 h 143"/>
+              </a:gdLst>
+              <a:ahLst/>
+              <a:cxnLst>
+                <a:cxn ang="0">
+                  <a:pos x="T0" y="T1"/>
+                </a:cxn>
+                <a:cxn ang="0">
+                  <a:pos x="T2" y="T3"/>
+                </a:cxn>
+              </a:cxnLst>
+              <a:rect l="0" t="0" r="r" b="b"/>
+              <a:pathLst>
+                <a:path w="106" h="143">
+                  <a:moveTo>
+                    <a:pt x="0" y="0"/>
+                  </a:moveTo>
+                  <a:cubicBezTo>
+                    <a:pt x="35" y="54"/>
+                    <a:pt x="70" y="101"/>
+                    <a:pt x="106" y="143"/>
+                  </a:cubicBezTo>
+                </a:path>
+              </a:pathLst>
+            </a:custGeom>
+            <a:noFill/>
+            <a:ln w="4763" cap="flat">
+              <a:solidFill>
+                <a:schemeClr val="tx1">
+                  <a:alpha val="20000"/>
+                </a:schemeClr>
+              </a:solidFill>
+              <a:prstDash val="solid"/>
+              <a:miter lim="800000"/>
+              <a:headEnd/>
+              <a:tailEnd/>
+            </a:ln>
+            <a:extLst>
+              <a:ext uri="{909E8E84-426E-40DD-AFC4-6F175D3DCCD1}">
+                <a14:hiddenFill xmlns:a14="http://schemas.microsoft.com/office/drawing/2010/main">
+                  <a:solidFill>
+                    <a:srgbClr val="FFFFFF"/>
+                  </a:solidFill>
+                </a14:hiddenFill>
+              </a:ext>
+            </a:extLst>
+          </p:spPr>
+          <p:txBody>
+            <a:bodyPr vert="horz" wrap="square" lIns="91440" tIns="45720" rIns="91440" bIns="45720" numCol="1" anchor="t" anchorCtr="0" compatLnSpc="1">
+              <a:prstTxWarp prst="textNoShape">
+                <a:avLst/>
+              </a:prstTxWarp>
+            </a:bodyPr>
+            <a:lstStyle/>
+            <a:p>
+              <a:endParaRPr lang="en-US"/>
+            </a:p>
+          </p:txBody>
+        </p:sp>
+        <p:sp>
+          <p:nvSpPr>
+            <p:cNvPr id="44" name="Freeform 10">
+              <a:extLst>
+                <a:ext uri="{FF2B5EF4-FFF2-40B4-BE49-F238E27FC236}">
+                  <a16:creationId xmlns:a16="http://schemas.microsoft.com/office/drawing/2014/main" id="{054B916A-0FD0-4006-BD6C-9D29CA03AC84}"/>
+                </a:ext>
+                <a:ext uri="{C183D7F6-B498-43B3-948B-1728B52AA6E4}">
+                  <adec:decorative xmlns:adec="http://schemas.microsoft.com/office/drawing/2017/decorative" val="1"/>
+                </a:ext>
+              </a:extLst>
+            </p:cNvPr>
+            <p:cNvSpPr>
+              <a:spLocks/>
+            </p:cNvSpPr>
+            <p:nvPr>
+              <p:extLst>
+                <p:ext uri="{386F3935-93C4-4BCD-93E2-E3B085C9AB24}">
+                  <p16:designElem xmlns:p16="http://schemas.microsoft.com/office/powerpoint/2015/main" val="1"/>
+                </p:ext>
+              </p:extLst>
+            </p:nvPr>
+          </p:nvSpPr>
+          <p:spPr bwMode="auto">
+            <a:xfrm>
+              <a:off x="-1061" y="-51881"/>
+              <a:ext cx="11091863" cy="6923796"/>
+            </a:xfrm>
+            <a:custGeom>
+              <a:avLst/>
+              <a:gdLst>
+                <a:gd name="T0" fmla="*/ 2046 w 2330"/>
+                <a:gd name="T1" fmla="*/ 1452 h 1452"/>
+                <a:gd name="T2" fmla="*/ 1813 w 2330"/>
+                <a:gd name="T3" fmla="*/ 601 h 1452"/>
+                <a:gd name="T4" fmla="*/ 956 w 2330"/>
+                <a:gd name="T5" fmla="*/ 97 h 1452"/>
+                <a:gd name="T6" fmla="*/ 0 w 2330"/>
+                <a:gd name="T7" fmla="*/ 366 h 1452"/>
+              </a:gdLst>
+              <a:ahLst/>
+              <a:cxnLst>
+                <a:cxn ang="0">
+                  <a:pos x="T0" y="T1"/>
+                </a:cxn>
+                <a:cxn ang="0">
+                  <a:pos x="T2" y="T3"/>
+                </a:cxn>
+                <a:cxn ang="0">
+                  <a:pos x="T4" y="T5"/>
+                </a:cxn>
+                <a:cxn ang="0">
+                  <a:pos x="T6" y="T7"/>
+                </a:cxn>
+              </a:cxnLst>
+              <a:rect l="0" t="0" r="r" b="b"/>
+              <a:pathLst>
+                <a:path w="2330" h="1452">
+                  <a:moveTo>
+                    <a:pt x="2046" y="1452"/>
+                  </a:moveTo>
+                  <a:cubicBezTo>
+                    <a:pt x="2330" y="1153"/>
+                    <a:pt x="2049" y="821"/>
+                    <a:pt x="1813" y="601"/>
+                  </a:cubicBezTo>
+                  <a:cubicBezTo>
+                    <a:pt x="1569" y="375"/>
+                    <a:pt x="1282" y="179"/>
+                    <a:pt x="956" y="97"/>
+                  </a:cubicBezTo>
+                  <a:cubicBezTo>
+                    <a:pt x="572" y="0"/>
+                    <a:pt x="292" y="101"/>
+                    <a:pt x="0" y="366"/>
+                  </a:cubicBezTo>
+                </a:path>
+              </a:pathLst>
+            </a:custGeom>
+            <a:noFill/>
+            <a:ln w="9525" cap="flat">
+              <a:solidFill>
+                <a:schemeClr val="tx1">
+                  <a:alpha val="20000"/>
+                </a:schemeClr>
+              </a:solidFill>
+              <a:prstDash val="solid"/>
+              <a:miter lim="800000"/>
+              <a:headEnd/>
+              <a:tailEnd/>
+            </a:ln>
+            <a:extLst>
+              <a:ext uri="{909E8E84-426E-40DD-AFC4-6F175D3DCCD1}">
+                <a14:hiddenFill xmlns:a14="http://schemas.microsoft.com/office/drawing/2010/main">
+                  <a:solidFill>
+                    <a:srgbClr val="FFFFFF"/>
+                  </a:solidFill>
+                </a14:hiddenFill>
+              </a:ext>
+            </a:extLst>
+          </p:spPr>
+          <p:txBody>
+            <a:bodyPr vert="horz" wrap="square" lIns="91440" tIns="45720" rIns="91440" bIns="45720" numCol="1" anchor="t" anchorCtr="0" compatLnSpc="1">
+              <a:prstTxWarp prst="textNoShape">
+                <a:avLst/>
+              </a:prstTxWarp>
+            </a:bodyPr>
+            <a:lstStyle/>
+            <a:p>
+              <a:endParaRPr lang="en-US"/>
+            </a:p>
+          </p:txBody>
+        </p:sp>
+        <p:sp>
+          <p:nvSpPr>
+            <p:cNvPr id="45" name="Freeform 11">
+              <a:extLst>
+                <a:ext uri="{FF2B5EF4-FFF2-40B4-BE49-F238E27FC236}">
+                  <a16:creationId xmlns:a16="http://schemas.microsoft.com/office/drawing/2014/main" id="{2133C3B4-D163-43CB-B3FC-A1B9A1DC387C}"/>
+                </a:ext>
+                <a:ext uri="{C183D7F6-B498-43B3-948B-1728B52AA6E4}">
+                  <adec:decorative xmlns:adec="http://schemas.microsoft.com/office/drawing/2017/decorative" val="1"/>
+                </a:ext>
+              </a:extLst>
+            </p:cNvPr>
+            <p:cNvSpPr>
+              <a:spLocks/>
+            </p:cNvSpPr>
+            <p:nvPr>
+              <p:extLst>
+                <p:ext uri="{386F3935-93C4-4BCD-93E2-E3B085C9AB24}">
+                  <p16:designElem xmlns:p16="http://schemas.microsoft.com/office/powerpoint/2015/main" val="1"/>
+                </p:ext>
+              </p:extLst>
+            </p:nvPr>
+          </p:nvSpPr>
+          <p:spPr bwMode="auto">
+            <a:xfrm>
+              <a:off x="5426601" y="5579"/>
+              <a:ext cx="5788025" cy="6847184"/>
+            </a:xfrm>
+            <a:custGeom>
+              <a:avLst/>
+              <a:gdLst>
+                <a:gd name="T0" fmla="*/ 1094 w 1216"/>
+                <a:gd name="T1" fmla="*/ 1436 h 1436"/>
+                <a:gd name="T2" fmla="*/ 709 w 1216"/>
+                <a:gd name="T3" fmla="*/ 551 h 1436"/>
+                <a:gd name="T4" fmla="*/ 0 w 1216"/>
+                <a:gd name="T5" fmla="*/ 0 h 1436"/>
+              </a:gdLst>
+              <a:ahLst/>
+              <a:cxnLst>
+                <a:cxn ang="0">
+                  <a:pos x="T0" y="T1"/>
+                </a:cxn>
+                <a:cxn ang="0">
+                  <a:pos x="T2" y="T3"/>
+                </a:cxn>
+                <a:cxn ang="0">
+                  <a:pos x="T4" y="T5"/>
+                </a:cxn>
+              </a:cxnLst>
+              <a:rect l="0" t="0" r="r" b="b"/>
+              <a:pathLst>
+                <a:path w="1216" h="1436">
+                  <a:moveTo>
+                    <a:pt x="1094" y="1436"/>
+                  </a:moveTo>
+                  <a:cubicBezTo>
+                    <a:pt x="1216" y="1114"/>
+                    <a:pt x="904" y="770"/>
+                    <a:pt x="709" y="551"/>
+                  </a:cubicBezTo>
+                  <a:cubicBezTo>
+                    <a:pt x="509" y="327"/>
+                    <a:pt x="274" y="127"/>
+                    <a:pt x="0" y="0"/>
+                  </a:cubicBezTo>
+                </a:path>
+              </a:pathLst>
+            </a:custGeom>
+            <a:noFill/>
+            <a:ln w="9525" cap="flat">
+              <a:solidFill>
+                <a:schemeClr val="tx1">
+                  <a:alpha val="20000"/>
+                </a:schemeClr>
+              </a:solidFill>
+              <a:prstDash val="solid"/>
+              <a:miter lim="800000"/>
+              <a:headEnd/>
+              <a:tailEnd/>
+            </a:ln>
+            <a:extLst>
+              <a:ext uri="{909E8E84-426E-40DD-AFC4-6F175D3DCCD1}">
+                <a14:hiddenFill xmlns:a14="http://schemas.microsoft.com/office/drawing/2010/main">
+                  <a:solidFill>
+                    <a:srgbClr val="FFFFFF"/>
+                  </a:solidFill>
+                </a14:hiddenFill>
+              </a:ext>
+            </a:extLst>
+          </p:spPr>
+          <p:txBody>
+            <a:bodyPr vert="horz" wrap="square" lIns="91440" tIns="45720" rIns="91440" bIns="45720" numCol="1" anchor="t" anchorCtr="0" compatLnSpc="1">
+              <a:prstTxWarp prst="textNoShape">
+                <a:avLst/>
+              </a:prstTxWarp>
+            </a:bodyPr>
+            <a:lstStyle/>
+            <a:p>
+              <a:endParaRPr lang="en-US"/>
+            </a:p>
+          </p:txBody>
+        </p:sp>
+        <p:sp>
+          <p:nvSpPr>
+            <p:cNvPr id="46" name="Freeform 12">
+              <a:extLst>
+                <a:ext uri="{FF2B5EF4-FFF2-40B4-BE49-F238E27FC236}">
+                  <a16:creationId xmlns:a16="http://schemas.microsoft.com/office/drawing/2014/main" id="{44DECBCA-815C-4296-B4DA-F12AD81F2DB9}"/>
+                </a:ext>
+                <a:ext uri="{C183D7F6-B498-43B3-948B-1728B52AA6E4}">
+                  <adec:decorative xmlns:adec="http://schemas.microsoft.com/office/drawing/2017/decorative" val="1"/>
+                </a:ext>
+              </a:extLst>
+            </p:cNvPr>
+            <p:cNvSpPr>
+              <a:spLocks/>
+            </p:cNvSpPr>
+            <p:nvPr>
+              <p:extLst>
+                <p:ext uri="{386F3935-93C4-4BCD-93E2-E3B085C9AB24}">
+                  <p16:designElem xmlns:p16="http://schemas.microsoft.com/office/powerpoint/2015/main" val="1"/>
+                </p:ext>
+              </p:extLst>
+            </p:nvPr>
+          </p:nvSpPr>
+          <p:spPr bwMode="auto">
+            <a:xfrm>
+              <a:off x="-1061" y="5579"/>
+              <a:ext cx="1057275" cy="614491"/>
+            </a:xfrm>
+            <a:custGeom>
+              <a:avLst/>
+              <a:gdLst>
+                <a:gd name="T0" fmla="*/ 222 w 222"/>
+                <a:gd name="T1" fmla="*/ 0 h 129"/>
+                <a:gd name="T2" fmla="*/ 0 w 222"/>
+                <a:gd name="T3" fmla="*/ 129 h 129"/>
+              </a:gdLst>
+              <a:ahLst/>
+              <a:cxnLst>
+                <a:cxn ang="0">
+                  <a:pos x="T0" y="T1"/>
+                </a:cxn>
+                <a:cxn ang="0">
+                  <a:pos x="T2" y="T3"/>
+                </a:cxn>
+              </a:cxnLst>
+              <a:rect l="0" t="0" r="r" b="b"/>
+              <a:pathLst>
+                <a:path w="222" h="129">
+                  <a:moveTo>
+                    <a:pt x="222" y="0"/>
+                  </a:moveTo>
+                  <a:cubicBezTo>
+                    <a:pt x="152" y="35"/>
+                    <a:pt x="76" y="78"/>
+                    <a:pt x="0" y="129"/>
+                  </a:cubicBezTo>
+                </a:path>
+              </a:pathLst>
+            </a:custGeom>
+            <a:noFill/>
+            <a:ln w="9525" cap="flat">
+              <a:solidFill>
+                <a:schemeClr val="tx1">
+                  <a:alpha val="20000"/>
+                </a:schemeClr>
+              </a:solidFill>
+              <a:prstDash val="solid"/>
+              <a:miter lim="800000"/>
+              <a:headEnd/>
+              <a:tailEnd/>
+            </a:ln>
+            <a:extLst>
+              <a:ext uri="{909E8E84-426E-40DD-AFC4-6F175D3DCCD1}">
+                <a14:hiddenFill xmlns:a14="http://schemas.microsoft.com/office/drawing/2010/main">
+                  <a:solidFill>
+                    <a:srgbClr val="FFFFFF"/>
+                  </a:solidFill>
+                </a14:hiddenFill>
+              </a:ext>
+            </a:extLst>
+          </p:spPr>
+          <p:txBody>
+            <a:bodyPr vert="horz" wrap="square" lIns="91440" tIns="45720" rIns="91440" bIns="45720" numCol="1" anchor="t" anchorCtr="0" compatLnSpc="1">
+              <a:prstTxWarp prst="textNoShape">
+                <a:avLst/>
+              </a:prstTxWarp>
+            </a:bodyPr>
+            <a:lstStyle/>
+            <a:p>
+              <a:endParaRPr lang="en-US"/>
+            </a:p>
+          </p:txBody>
+        </p:sp>
+        <p:sp>
+          <p:nvSpPr>
+            <p:cNvPr id="47" name="Freeform 13">
+              <a:extLst>
+                <a:ext uri="{FF2B5EF4-FFF2-40B4-BE49-F238E27FC236}">
+                  <a16:creationId xmlns:a16="http://schemas.microsoft.com/office/drawing/2014/main" id="{B6C3CA6F-2113-4095-B77D-19519074C196}"/>
+                </a:ext>
+                <a:ext uri="{C183D7F6-B498-43B3-948B-1728B52AA6E4}">
+                  <adec:decorative xmlns:adec="http://schemas.microsoft.com/office/drawing/2017/decorative" val="1"/>
+                </a:ext>
+              </a:extLst>
+            </p:cNvPr>
+            <p:cNvSpPr>
+              <a:spLocks/>
+            </p:cNvSpPr>
+            <p:nvPr>
+              <p:extLst>
+                <p:ext uri="{386F3935-93C4-4BCD-93E2-E3B085C9AB24}">
+                  <p16:designElem xmlns:p16="http://schemas.microsoft.com/office/powerpoint/2015/main" val="1"/>
+                </p:ext>
+              </p:extLst>
+            </p:nvPr>
+          </p:nvSpPr>
+          <p:spPr bwMode="auto">
+            <a:xfrm>
+              <a:off x="5821889" y="5579"/>
+              <a:ext cx="5588000" cy="6866337"/>
+            </a:xfrm>
+            <a:custGeom>
+              <a:avLst/>
+              <a:gdLst>
+                <a:gd name="T0" fmla="*/ 1067 w 1174"/>
+                <a:gd name="T1" fmla="*/ 1440 h 1440"/>
+                <a:gd name="T2" fmla="*/ 698 w 1174"/>
+                <a:gd name="T3" fmla="*/ 577 h 1440"/>
+                <a:gd name="T4" fmla="*/ 0 w 1174"/>
+                <a:gd name="T5" fmla="*/ 0 h 1440"/>
+              </a:gdLst>
+              <a:ahLst/>
+              <a:cxnLst>
+                <a:cxn ang="0">
+                  <a:pos x="T0" y="T1"/>
+                </a:cxn>
+                <a:cxn ang="0">
+                  <a:pos x="T2" y="T3"/>
+                </a:cxn>
+                <a:cxn ang="0">
+                  <a:pos x="T4" y="T5"/>
+                </a:cxn>
+              </a:cxnLst>
+              <a:rect l="0" t="0" r="r" b="b"/>
+              <a:pathLst>
+                <a:path w="1174" h="1440">
+                  <a:moveTo>
+                    <a:pt x="1067" y="1440"/>
+                  </a:moveTo>
+                  <a:cubicBezTo>
+                    <a:pt x="1174" y="1124"/>
+                    <a:pt x="887" y="797"/>
+                    <a:pt x="698" y="577"/>
+                  </a:cubicBezTo>
+                  <a:cubicBezTo>
+                    <a:pt x="500" y="348"/>
+                    <a:pt x="270" y="141"/>
+                    <a:pt x="0" y="0"/>
+                  </a:cubicBezTo>
+                </a:path>
+              </a:pathLst>
+            </a:custGeom>
+            <a:noFill/>
+            <a:ln w="9525" cap="flat">
+              <a:solidFill>
+                <a:schemeClr val="tx1">
+                  <a:alpha val="20000"/>
+                </a:schemeClr>
+              </a:solidFill>
+              <a:prstDash val="dash"/>
+              <a:miter lim="800000"/>
+              <a:headEnd/>
+              <a:tailEnd/>
+            </a:ln>
+            <a:extLst>
+              <a:ext uri="{909E8E84-426E-40DD-AFC4-6F175D3DCCD1}">
+                <a14:hiddenFill xmlns:a14="http://schemas.microsoft.com/office/drawing/2010/main">
+                  <a:solidFill>
+                    <a:srgbClr val="FFFFFF"/>
+                  </a:solidFill>
+                </a14:hiddenFill>
+              </a:ext>
+            </a:extLst>
+          </p:spPr>
+          <p:txBody>
+            <a:bodyPr vert="horz" wrap="square" lIns="91440" tIns="45720" rIns="91440" bIns="45720" numCol="1" anchor="t" anchorCtr="0" compatLnSpc="1">
+              <a:prstTxWarp prst="textNoShape">
+                <a:avLst/>
+              </a:prstTxWarp>
+            </a:bodyPr>
+            <a:lstStyle/>
+            <a:p>
+              <a:endParaRPr lang="en-US"/>
+            </a:p>
+          </p:txBody>
+        </p:sp>
+        <p:sp>
+          <p:nvSpPr>
+            <p:cNvPr id="48" name="Freeform 14">
+              <a:extLst>
+                <a:ext uri="{FF2B5EF4-FFF2-40B4-BE49-F238E27FC236}">
+                  <a16:creationId xmlns:a16="http://schemas.microsoft.com/office/drawing/2014/main" id="{6A23EEC5-4C2F-4460-B6F6-A6852C46F1AE}"/>
+                </a:ext>
+                <a:ext uri="{C183D7F6-B498-43B3-948B-1728B52AA6E4}">
+                  <adec:decorative xmlns:adec="http://schemas.microsoft.com/office/drawing/2017/decorative" val="1"/>
+                </a:ext>
+              </a:extLst>
+            </p:cNvPr>
+            <p:cNvSpPr>
+              <a:spLocks/>
+            </p:cNvSpPr>
+            <p:nvPr>
+              <p:extLst>
+                <p:ext uri="{386F3935-93C4-4BCD-93E2-E3B085C9AB24}">
+                  <p16:designElem xmlns:p16="http://schemas.microsoft.com/office/powerpoint/2015/main" val="1"/>
+                </p:ext>
+              </p:extLst>
+            </p:nvPr>
+          </p:nvSpPr>
+          <p:spPr bwMode="auto">
+            <a:xfrm>
+              <a:off x="3701" y="790"/>
+              <a:ext cx="595313" cy="352734"/>
+            </a:xfrm>
+            <a:custGeom>
+              <a:avLst/>
+              <a:gdLst>
+                <a:gd name="T0" fmla="*/ 125 w 125"/>
+                <a:gd name="T1" fmla="*/ 0 h 74"/>
+                <a:gd name="T2" fmla="*/ 0 w 125"/>
+                <a:gd name="T3" fmla="*/ 74 h 74"/>
+              </a:gdLst>
+              <a:ahLst/>
+              <a:cxnLst>
+                <a:cxn ang="0">
+                  <a:pos x="T0" y="T1"/>
+                </a:cxn>
+                <a:cxn ang="0">
+                  <a:pos x="T2" y="T3"/>
+                </a:cxn>
+              </a:cxnLst>
+              <a:rect l="0" t="0" r="r" b="b"/>
+              <a:pathLst>
+                <a:path w="125" h="74">
+                  <a:moveTo>
+                    <a:pt x="125" y="0"/>
+                  </a:moveTo>
+                  <a:cubicBezTo>
+                    <a:pt x="85" y="22"/>
+                    <a:pt x="43" y="47"/>
+                    <a:pt x="0" y="74"/>
+                  </a:cubicBezTo>
+                </a:path>
+              </a:pathLst>
+            </a:custGeom>
+            <a:noFill/>
+            <a:ln w="9525" cap="flat">
+              <a:solidFill>
+                <a:schemeClr val="tx1">
+                  <a:alpha val="20000"/>
+                </a:schemeClr>
+              </a:solidFill>
+              <a:prstDash val="dash"/>
+              <a:miter lim="800000"/>
+              <a:headEnd/>
+              <a:tailEnd/>
+            </a:ln>
+            <a:extLst>
+              <a:ext uri="{909E8E84-426E-40DD-AFC4-6F175D3DCCD1}">
+                <a14:hiddenFill xmlns:a14="http://schemas.microsoft.com/office/drawing/2010/main">
+                  <a:solidFill>
+                    <a:srgbClr val="FFFFFF"/>
+                  </a:solidFill>
+                </a14:hiddenFill>
+              </a:ext>
+            </a:extLst>
+          </p:spPr>
+          <p:txBody>
+            <a:bodyPr vert="horz" wrap="square" lIns="91440" tIns="45720" rIns="91440" bIns="45720" numCol="1" anchor="t" anchorCtr="0" compatLnSpc="1">
+              <a:prstTxWarp prst="textNoShape">
+                <a:avLst/>
+              </a:prstTxWarp>
+            </a:bodyPr>
+            <a:lstStyle/>
+            <a:p>
+              <a:endParaRPr lang="en-US"/>
+            </a:p>
+          </p:txBody>
+        </p:sp>
+        <p:sp>
+          <p:nvSpPr>
+            <p:cNvPr id="49" name="Freeform 15">
+              <a:extLst>
+                <a:ext uri="{FF2B5EF4-FFF2-40B4-BE49-F238E27FC236}">
+                  <a16:creationId xmlns:a16="http://schemas.microsoft.com/office/drawing/2014/main" id="{9CAEC751-845A-4873-BCB3-29B7EF60FDF7}"/>
+                </a:ext>
+                <a:ext uri="{C183D7F6-B498-43B3-948B-1728B52AA6E4}">
+                  <adec:decorative xmlns:adec="http://schemas.microsoft.com/office/drawing/2017/decorative" val="1"/>
+                </a:ext>
+              </a:extLst>
+            </p:cNvPr>
+            <p:cNvSpPr>
+              <a:spLocks/>
+            </p:cNvSpPr>
+            <p:nvPr>
+              <p:extLst>
+                <p:ext uri="{386F3935-93C4-4BCD-93E2-E3B085C9AB24}">
+                  <p16:designElem xmlns:p16="http://schemas.microsoft.com/office/powerpoint/2015/main" val="1"/>
+                </p:ext>
+              </p:extLst>
+            </p:nvPr>
+          </p:nvSpPr>
+          <p:spPr bwMode="auto">
+            <a:xfrm>
+              <a:off x="6012389" y="5579"/>
+              <a:ext cx="5497513" cy="6866337"/>
+            </a:xfrm>
+            <a:custGeom>
+              <a:avLst/>
+              <a:gdLst>
+                <a:gd name="T0" fmla="*/ 1056 w 1155"/>
+                <a:gd name="T1" fmla="*/ 1440 h 1440"/>
+                <a:gd name="T2" fmla="*/ 686 w 1155"/>
+                <a:gd name="T3" fmla="*/ 580 h 1440"/>
+                <a:gd name="T4" fmla="*/ 0 w 1155"/>
+                <a:gd name="T5" fmla="*/ 0 h 1440"/>
+              </a:gdLst>
+              <a:ahLst/>
+              <a:cxnLst>
+                <a:cxn ang="0">
+                  <a:pos x="T0" y="T1"/>
+                </a:cxn>
+                <a:cxn ang="0">
+                  <a:pos x="T2" y="T3"/>
+                </a:cxn>
+                <a:cxn ang="0">
+                  <a:pos x="T4" y="T5"/>
+                </a:cxn>
+              </a:cxnLst>
+              <a:rect l="0" t="0" r="r" b="b"/>
+              <a:pathLst>
+                <a:path w="1155" h="1440">
+                  <a:moveTo>
+                    <a:pt x="1056" y="1440"/>
+                  </a:moveTo>
+                  <a:cubicBezTo>
+                    <a:pt x="1155" y="1123"/>
+                    <a:pt x="875" y="801"/>
+                    <a:pt x="686" y="580"/>
+                  </a:cubicBezTo>
+                  <a:cubicBezTo>
+                    <a:pt x="491" y="352"/>
+                    <a:pt x="264" y="145"/>
+                    <a:pt x="0" y="0"/>
+                  </a:cubicBezTo>
+                </a:path>
+              </a:pathLst>
+            </a:custGeom>
+            <a:noFill/>
+            <a:ln w="12700" cap="flat">
+              <a:solidFill>
+                <a:schemeClr val="tx1">
+                  <a:alpha val="20000"/>
+                </a:schemeClr>
+              </a:solidFill>
+              <a:prstDash val="dashDot"/>
+              <a:miter lim="800000"/>
+              <a:headEnd/>
+              <a:tailEnd/>
+            </a:ln>
+            <a:extLst>
+              <a:ext uri="{909E8E84-426E-40DD-AFC4-6F175D3DCCD1}">
+                <a14:hiddenFill xmlns:a14="http://schemas.microsoft.com/office/drawing/2010/main">
+                  <a:solidFill>
+                    <a:srgbClr val="FFFFFF"/>
+                  </a:solidFill>
+                </a14:hiddenFill>
+              </a:ext>
+            </a:extLst>
+          </p:spPr>
+          <p:txBody>
+            <a:bodyPr vert="horz" wrap="square" lIns="91440" tIns="45720" rIns="91440" bIns="45720" numCol="1" anchor="t" anchorCtr="0" compatLnSpc="1">
+              <a:prstTxWarp prst="textNoShape">
+                <a:avLst/>
+              </a:prstTxWarp>
+            </a:bodyPr>
+            <a:lstStyle/>
+            <a:p>
+              <a:endParaRPr lang="en-US"/>
+            </a:p>
+          </p:txBody>
+        </p:sp>
+        <p:sp>
+          <p:nvSpPr>
+            <p:cNvPr id="50" name="Freeform 16">
+              <a:extLst>
+                <a:ext uri="{FF2B5EF4-FFF2-40B4-BE49-F238E27FC236}">
+                  <a16:creationId xmlns:a16="http://schemas.microsoft.com/office/drawing/2014/main" id="{FA38FC93-11A4-4EB5-BC13-85FB353CD10F}"/>
+                </a:ext>
+                <a:ext uri="{C183D7F6-B498-43B3-948B-1728B52AA6E4}">
+                  <adec:decorative xmlns:adec="http://schemas.microsoft.com/office/drawing/2017/decorative" val="1"/>
+                </a:ext>
+              </a:extLst>
+            </p:cNvPr>
+            <p:cNvSpPr>
+              <a:spLocks/>
+            </p:cNvSpPr>
+            <p:nvPr>
+              <p:extLst>
+                <p:ext uri="{386F3935-93C4-4BCD-93E2-E3B085C9AB24}">
+                  <p16:designElem xmlns:p16="http://schemas.microsoft.com/office/powerpoint/2015/main" val="1"/>
+                </p:ext>
+              </p:extLst>
+            </p:nvPr>
+          </p:nvSpPr>
+          <p:spPr bwMode="auto">
+            <a:xfrm>
+              <a:off x="-1061" y="5579"/>
+              <a:ext cx="357188" cy="213875"/>
+            </a:xfrm>
+            <a:custGeom>
+              <a:avLst/>
+              <a:gdLst>
+                <a:gd name="T0" fmla="*/ 75 w 75"/>
+                <a:gd name="T1" fmla="*/ 0 h 45"/>
+                <a:gd name="T2" fmla="*/ 0 w 75"/>
+                <a:gd name="T3" fmla="*/ 45 h 45"/>
+              </a:gdLst>
+              <a:ahLst/>
+              <a:cxnLst>
+                <a:cxn ang="0">
+                  <a:pos x="T0" y="T1"/>
+                </a:cxn>
+                <a:cxn ang="0">
+                  <a:pos x="T2" y="T3"/>
+                </a:cxn>
+              </a:cxnLst>
+              <a:rect l="0" t="0" r="r" b="b"/>
+              <a:pathLst>
+                <a:path w="75" h="45">
+                  <a:moveTo>
+                    <a:pt x="75" y="0"/>
+                  </a:moveTo>
+                  <a:cubicBezTo>
+                    <a:pt x="50" y="14"/>
+                    <a:pt x="25" y="29"/>
+                    <a:pt x="0" y="45"/>
+                  </a:cubicBezTo>
+                </a:path>
+              </a:pathLst>
+            </a:custGeom>
+            <a:noFill/>
+            <a:ln w="12700" cap="flat">
+              <a:solidFill>
+                <a:schemeClr val="tx1">
+                  <a:alpha val="20000"/>
+                </a:schemeClr>
+              </a:solidFill>
+              <a:prstDash val="dashDot"/>
+              <a:miter lim="800000"/>
+              <a:headEnd/>
+              <a:tailEnd/>
+            </a:ln>
+            <a:extLst>
+              <a:ext uri="{909E8E84-426E-40DD-AFC4-6F175D3DCCD1}">
+                <a14:hiddenFill xmlns:a14="http://schemas.microsoft.com/office/drawing/2010/main">
+                  <a:solidFill>
+                    <a:srgbClr val="FFFFFF"/>
+                  </a:solidFill>
+                </a14:hiddenFill>
+              </a:ext>
+            </a:extLst>
+          </p:spPr>
+          <p:txBody>
+            <a:bodyPr vert="horz" wrap="square" lIns="91440" tIns="45720" rIns="91440" bIns="45720" numCol="1" anchor="t" anchorCtr="0" compatLnSpc="1">
+              <a:prstTxWarp prst="textNoShape">
+                <a:avLst/>
+              </a:prstTxWarp>
+            </a:bodyPr>
+            <a:lstStyle/>
+            <a:p>
+              <a:endParaRPr lang="en-US"/>
+            </a:p>
+          </p:txBody>
+        </p:sp>
+        <p:sp>
+          <p:nvSpPr>
+            <p:cNvPr id="51" name="Freeform 17">
+              <a:extLst>
+                <a:ext uri="{FF2B5EF4-FFF2-40B4-BE49-F238E27FC236}">
+                  <a16:creationId xmlns:a16="http://schemas.microsoft.com/office/drawing/2014/main" id="{B5B6AC4D-E640-47F2-AA5A-9F9A1DB88E99}"/>
+                </a:ext>
+                <a:ext uri="{C183D7F6-B498-43B3-948B-1728B52AA6E4}">
+                  <adec:decorative xmlns:adec="http://schemas.microsoft.com/office/drawing/2017/decorative" val="1"/>
+                </a:ext>
+              </a:extLst>
+            </p:cNvPr>
+            <p:cNvSpPr>
+              <a:spLocks/>
+            </p:cNvSpPr>
+            <p:nvPr>
+              <p:extLst>
+                <p:ext uri="{386F3935-93C4-4BCD-93E2-E3B085C9AB24}">
+                  <p16:designElem xmlns:p16="http://schemas.microsoft.com/office/powerpoint/2015/main" val="1"/>
+                </p:ext>
+              </p:extLst>
+            </p:nvPr>
+          </p:nvSpPr>
+          <p:spPr bwMode="auto">
+            <a:xfrm>
+              <a:off x="6210826" y="790"/>
+              <a:ext cx="5522913" cy="6871126"/>
+            </a:xfrm>
+            <a:custGeom>
+              <a:avLst/>
+              <a:gdLst>
+                <a:gd name="T0" fmla="*/ 1053 w 1160"/>
+                <a:gd name="T1" fmla="*/ 1441 h 1441"/>
+                <a:gd name="T2" fmla="*/ 705 w 1160"/>
+                <a:gd name="T3" fmla="*/ 599 h 1441"/>
+                <a:gd name="T4" fmla="*/ 0 w 1160"/>
+                <a:gd name="T5" fmla="*/ 0 h 1441"/>
+              </a:gdLst>
+              <a:ahLst/>
+              <a:cxnLst>
+                <a:cxn ang="0">
+                  <a:pos x="T0" y="T1"/>
+                </a:cxn>
+                <a:cxn ang="0">
+                  <a:pos x="T2" y="T3"/>
+                </a:cxn>
+                <a:cxn ang="0">
+                  <a:pos x="T4" y="T5"/>
+                </a:cxn>
+              </a:cxnLst>
+              <a:rect l="0" t="0" r="r" b="b"/>
+              <a:pathLst>
+                <a:path w="1160" h="1441">
+                  <a:moveTo>
+                    <a:pt x="1053" y="1441"/>
+                  </a:moveTo>
+                  <a:cubicBezTo>
+                    <a:pt x="1160" y="1129"/>
+                    <a:pt x="892" y="817"/>
+                    <a:pt x="705" y="599"/>
+                  </a:cubicBezTo>
+                  <a:cubicBezTo>
+                    <a:pt x="503" y="365"/>
+                    <a:pt x="270" y="152"/>
+                    <a:pt x="0" y="0"/>
+                  </a:cubicBezTo>
+                </a:path>
+              </a:pathLst>
+            </a:custGeom>
+            <a:noFill/>
+            <a:ln w="9525" cap="flat">
+              <a:solidFill>
+                <a:schemeClr val="tx1">
+                  <a:alpha val="20000"/>
+                </a:schemeClr>
+              </a:solidFill>
+              <a:prstDash val="solid"/>
+              <a:miter lim="800000"/>
+              <a:headEnd/>
+              <a:tailEnd/>
+            </a:ln>
+            <a:extLst>
+              <a:ext uri="{909E8E84-426E-40DD-AFC4-6F175D3DCCD1}">
+                <a14:hiddenFill xmlns:a14="http://schemas.microsoft.com/office/drawing/2010/main">
+                  <a:solidFill>
+                    <a:srgbClr val="FFFFFF"/>
+                  </a:solidFill>
+                </a14:hiddenFill>
+              </a:ext>
+            </a:extLst>
+          </p:spPr>
+          <p:txBody>
+            <a:bodyPr vert="horz" wrap="square" lIns="91440" tIns="45720" rIns="91440" bIns="45720" numCol="1" anchor="t" anchorCtr="0" compatLnSpc="1">
+              <a:prstTxWarp prst="textNoShape">
+                <a:avLst/>
+              </a:prstTxWarp>
+            </a:bodyPr>
+            <a:lstStyle/>
+            <a:p>
+              <a:endParaRPr lang="en-US"/>
+            </a:p>
+          </p:txBody>
+        </p:sp>
+        <p:sp>
+          <p:nvSpPr>
+            <p:cNvPr id="52" name="Freeform 18">
+              <a:extLst>
+                <a:ext uri="{FF2B5EF4-FFF2-40B4-BE49-F238E27FC236}">
+                  <a16:creationId xmlns:a16="http://schemas.microsoft.com/office/drawing/2014/main" id="{962630FB-473F-4D83-8B9F-EC52E31CA558}"/>
+                </a:ext>
+                <a:ext uri="{C183D7F6-B498-43B3-948B-1728B52AA6E4}">
+                  <adec:decorative xmlns:adec="http://schemas.microsoft.com/office/drawing/2017/decorative" val="1"/>
+                </a:ext>
+              </a:extLst>
+            </p:cNvPr>
+            <p:cNvSpPr>
+              <a:spLocks/>
+            </p:cNvSpPr>
+            <p:nvPr>
+              <p:extLst>
+                <p:ext uri="{386F3935-93C4-4BCD-93E2-E3B085C9AB24}">
+                  <p16:designElem xmlns:p16="http://schemas.microsoft.com/office/powerpoint/2015/main" val="1"/>
+                </p:ext>
+              </p:extLst>
+            </p:nvPr>
+          </p:nvSpPr>
+          <p:spPr bwMode="auto">
+            <a:xfrm>
+              <a:off x="6463239" y="5579"/>
+              <a:ext cx="5413375" cy="6866337"/>
+            </a:xfrm>
+            <a:custGeom>
+              <a:avLst/>
+              <a:gdLst>
+                <a:gd name="T0" fmla="*/ 1040 w 1137"/>
+                <a:gd name="T1" fmla="*/ 1440 h 1440"/>
+                <a:gd name="T2" fmla="*/ 698 w 1137"/>
+                <a:gd name="T3" fmla="*/ 611 h 1440"/>
+                <a:gd name="T4" fmla="*/ 0 w 1137"/>
+                <a:gd name="T5" fmla="*/ 0 h 1440"/>
+              </a:gdLst>
+              <a:ahLst/>
+              <a:cxnLst>
+                <a:cxn ang="0">
+                  <a:pos x="T0" y="T1"/>
+                </a:cxn>
+                <a:cxn ang="0">
+                  <a:pos x="T2" y="T3"/>
+                </a:cxn>
+                <a:cxn ang="0">
+                  <a:pos x="T4" y="T5"/>
+                </a:cxn>
+              </a:cxnLst>
+              <a:rect l="0" t="0" r="r" b="b"/>
+              <a:pathLst>
+                <a:path w="1137" h="1440">
+                  <a:moveTo>
+                    <a:pt x="1040" y="1440"/>
+                  </a:moveTo>
+                  <a:cubicBezTo>
+                    <a:pt x="1137" y="1131"/>
+                    <a:pt x="883" y="828"/>
+                    <a:pt x="698" y="611"/>
+                  </a:cubicBezTo>
+                  <a:cubicBezTo>
+                    <a:pt x="498" y="375"/>
+                    <a:pt x="268" y="159"/>
+                    <a:pt x="0" y="0"/>
+                  </a:cubicBezTo>
+                </a:path>
+              </a:pathLst>
+            </a:custGeom>
+            <a:noFill/>
+            <a:ln w="9525" cap="flat">
+              <a:solidFill>
+                <a:schemeClr val="tx1">
+                  <a:alpha val="20000"/>
+                </a:schemeClr>
+              </a:solidFill>
+              <a:prstDash val="solid"/>
+              <a:miter lim="800000"/>
+              <a:headEnd/>
+              <a:tailEnd/>
+            </a:ln>
+            <a:extLst>
+              <a:ext uri="{909E8E84-426E-40DD-AFC4-6F175D3DCCD1}">
+                <a14:hiddenFill xmlns:a14="http://schemas.microsoft.com/office/drawing/2010/main">
+                  <a:solidFill>
+                    <a:srgbClr val="FFFFFF"/>
+                  </a:solidFill>
+                </a14:hiddenFill>
+              </a:ext>
+            </a:extLst>
+          </p:spPr>
+          <p:txBody>
+            <a:bodyPr vert="horz" wrap="square" lIns="91440" tIns="45720" rIns="91440" bIns="45720" numCol="1" anchor="t" anchorCtr="0" compatLnSpc="1">
+              <a:prstTxWarp prst="textNoShape">
+                <a:avLst/>
+              </a:prstTxWarp>
+            </a:bodyPr>
+            <a:lstStyle/>
+            <a:p>
+              <a:endParaRPr lang="en-US"/>
+            </a:p>
+          </p:txBody>
+        </p:sp>
+        <p:sp>
+          <p:nvSpPr>
+            <p:cNvPr id="53" name="Freeform 19">
+              <a:extLst>
+                <a:ext uri="{FF2B5EF4-FFF2-40B4-BE49-F238E27FC236}">
+                  <a16:creationId xmlns:a16="http://schemas.microsoft.com/office/drawing/2014/main" id="{035721E2-E73B-4E57-92E2-DE71F0D17052}"/>
+                </a:ext>
+                <a:ext uri="{C183D7F6-B498-43B3-948B-1728B52AA6E4}">
+                  <adec:decorative xmlns:adec="http://schemas.microsoft.com/office/drawing/2017/decorative" val="1"/>
+                </a:ext>
+              </a:extLst>
+            </p:cNvPr>
+            <p:cNvSpPr>
+              <a:spLocks/>
+            </p:cNvSpPr>
+            <p:nvPr>
+              <p:extLst>
+                <p:ext uri="{386F3935-93C4-4BCD-93E2-E3B085C9AB24}">
+                  <p16:designElem xmlns:p16="http://schemas.microsoft.com/office/powerpoint/2015/main" val="1"/>
+                </p:ext>
+              </p:extLst>
+            </p:nvPr>
+          </p:nvSpPr>
+          <p:spPr bwMode="auto">
+            <a:xfrm>
+              <a:off x="6877576" y="5579"/>
+              <a:ext cx="5037138" cy="6861550"/>
+            </a:xfrm>
+            <a:custGeom>
+              <a:avLst/>
+              <a:gdLst>
+                <a:gd name="T0" fmla="*/ 1011 w 1058"/>
+                <a:gd name="T1" fmla="*/ 1439 h 1439"/>
+                <a:gd name="T2" fmla="*/ 648 w 1058"/>
+                <a:gd name="T3" fmla="*/ 617 h 1439"/>
+                <a:gd name="T4" fmla="*/ 0 w 1058"/>
+                <a:gd name="T5" fmla="*/ 0 h 1439"/>
+              </a:gdLst>
+              <a:ahLst/>
+              <a:cxnLst>
+                <a:cxn ang="0">
+                  <a:pos x="T0" y="T1"/>
+                </a:cxn>
+                <a:cxn ang="0">
+                  <a:pos x="T2" y="T3"/>
+                </a:cxn>
+                <a:cxn ang="0">
+                  <a:pos x="T4" y="T5"/>
+                </a:cxn>
+              </a:cxnLst>
+              <a:rect l="0" t="0" r="r" b="b"/>
+              <a:pathLst>
+                <a:path w="1058" h="1439">
+                  <a:moveTo>
+                    <a:pt x="1011" y="1439"/>
+                  </a:moveTo>
+                  <a:cubicBezTo>
+                    <a:pt x="1058" y="1131"/>
+                    <a:pt x="825" y="841"/>
+                    <a:pt x="648" y="617"/>
+                  </a:cubicBezTo>
+                  <a:cubicBezTo>
+                    <a:pt x="462" y="383"/>
+                    <a:pt x="248" y="168"/>
+                    <a:pt x="0" y="0"/>
+                  </a:cubicBezTo>
+                </a:path>
+              </a:pathLst>
+            </a:custGeom>
+            <a:noFill/>
+            <a:ln w="9525" cap="flat">
+              <a:solidFill>
+                <a:schemeClr val="tx1">
+                  <a:alpha val="20000"/>
+                </a:schemeClr>
+              </a:solidFill>
+              <a:prstDash val="solid"/>
+              <a:miter lim="800000"/>
+              <a:headEnd/>
+              <a:tailEnd/>
+            </a:ln>
+            <a:extLst>
+              <a:ext uri="{909E8E84-426E-40DD-AFC4-6F175D3DCCD1}">
+                <a14:hiddenFill xmlns:a14="http://schemas.microsoft.com/office/drawing/2010/main">
+                  <a:solidFill>
+                    <a:srgbClr val="FFFFFF"/>
+                  </a:solidFill>
+                </a14:hiddenFill>
+              </a:ext>
+            </a:extLst>
+          </p:spPr>
+          <p:txBody>
+            <a:bodyPr vert="horz" wrap="square" lIns="91440" tIns="45720" rIns="91440" bIns="45720" numCol="1" anchor="t" anchorCtr="0" compatLnSpc="1">
+              <a:prstTxWarp prst="textNoShape">
+                <a:avLst/>
+              </a:prstTxWarp>
+            </a:bodyPr>
+            <a:lstStyle/>
+            <a:p>
+              <a:endParaRPr lang="en-US"/>
+            </a:p>
+          </p:txBody>
+        </p:sp>
+        <p:sp>
+          <p:nvSpPr>
+            <p:cNvPr id="54" name="Freeform 20">
+              <a:extLst>
+                <a:ext uri="{FF2B5EF4-FFF2-40B4-BE49-F238E27FC236}">
+                  <a16:creationId xmlns:a16="http://schemas.microsoft.com/office/drawing/2014/main" id="{3071D074-66CD-4273-AF66-207364BA3EA2}"/>
+                </a:ext>
+                <a:ext uri="{C183D7F6-B498-43B3-948B-1728B52AA6E4}">
+                  <adec:decorative xmlns:adec="http://schemas.microsoft.com/office/drawing/2017/decorative" val="1"/>
+                </a:ext>
+              </a:extLst>
+            </p:cNvPr>
+            <p:cNvSpPr>
+              <a:spLocks/>
+            </p:cNvSpPr>
+            <p:nvPr>
+              <p:extLst>
+                <p:ext uri="{386F3935-93C4-4BCD-93E2-E3B085C9AB24}">
+                  <p16:designElem xmlns:p16="http://schemas.microsoft.com/office/powerpoint/2015/main" val="1"/>
+                </p:ext>
+              </p:extLst>
+            </p:nvPr>
+          </p:nvSpPr>
+          <p:spPr bwMode="auto">
+            <a:xfrm>
+              <a:off x="8768289" y="5579"/>
+              <a:ext cx="3417888" cy="2742066"/>
+            </a:xfrm>
+            <a:custGeom>
+              <a:avLst/>
+              <a:gdLst>
+                <a:gd name="T0" fmla="*/ 718 w 718"/>
+                <a:gd name="T1" fmla="*/ 575 h 575"/>
+                <a:gd name="T2" fmla="*/ 0 w 718"/>
+                <a:gd name="T3" fmla="*/ 0 h 575"/>
+              </a:gdLst>
+              <a:ahLst/>
+              <a:cxnLst>
+                <a:cxn ang="0">
+                  <a:pos x="T0" y="T1"/>
+                </a:cxn>
+                <a:cxn ang="0">
+                  <a:pos x="T2" y="T3"/>
+                </a:cxn>
+              </a:cxnLst>
+              <a:rect l="0" t="0" r="r" b="b"/>
+              <a:pathLst>
+                <a:path w="718" h="575">
+                  <a:moveTo>
+                    <a:pt x="718" y="575"/>
+                  </a:moveTo>
+                  <a:cubicBezTo>
+                    <a:pt x="500" y="360"/>
+                    <a:pt x="260" y="163"/>
+                    <a:pt x="0" y="0"/>
+                  </a:cubicBezTo>
+                </a:path>
+              </a:pathLst>
+            </a:custGeom>
+            <a:noFill/>
+            <a:ln w="9525" cap="flat">
+              <a:solidFill>
+                <a:schemeClr val="tx1">
+                  <a:alpha val="20000"/>
+                </a:schemeClr>
+              </a:solidFill>
+              <a:prstDash val="solid"/>
+              <a:miter lim="800000"/>
+              <a:headEnd/>
+              <a:tailEnd/>
+            </a:ln>
+            <a:extLst>
+              <a:ext uri="{909E8E84-426E-40DD-AFC4-6F175D3DCCD1}">
+                <a14:hiddenFill xmlns:a14="http://schemas.microsoft.com/office/drawing/2010/main">
+                  <a:solidFill>
+                    <a:srgbClr val="FFFFFF"/>
+                  </a:solidFill>
+                </a14:hiddenFill>
+              </a:ext>
+            </a:extLst>
+          </p:spPr>
+          <p:txBody>
+            <a:bodyPr vert="horz" wrap="square" lIns="91440" tIns="45720" rIns="91440" bIns="45720" numCol="1" anchor="t" anchorCtr="0" compatLnSpc="1">
+              <a:prstTxWarp prst="textNoShape">
+                <a:avLst/>
+              </a:prstTxWarp>
+            </a:bodyPr>
+            <a:lstStyle/>
+            <a:p>
+              <a:endParaRPr lang="en-US"/>
+            </a:p>
+          </p:txBody>
+        </p:sp>
+        <p:sp>
+          <p:nvSpPr>
+            <p:cNvPr id="55" name="Freeform 21">
+              <a:extLst>
+                <a:ext uri="{FF2B5EF4-FFF2-40B4-BE49-F238E27FC236}">
+                  <a16:creationId xmlns:a16="http://schemas.microsoft.com/office/drawing/2014/main" id="{4197CB22-95EA-4E41-94A6-6BCE8C027870}"/>
+                </a:ext>
+                <a:ext uri="{C183D7F6-B498-43B3-948B-1728B52AA6E4}">
+                  <adec:decorative xmlns:adec="http://schemas.microsoft.com/office/drawing/2017/decorative" val="1"/>
+                </a:ext>
+              </a:extLst>
+            </p:cNvPr>
+            <p:cNvSpPr>
+              <a:spLocks/>
+            </p:cNvSpPr>
+            <p:nvPr>
+              <p:extLst>
+                <p:ext uri="{386F3935-93C4-4BCD-93E2-E3B085C9AB24}">
+                  <p16:designElem xmlns:p16="http://schemas.microsoft.com/office/powerpoint/2015/main" val="1"/>
+                </p:ext>
+              </p:extLst>
+            </p:nvPr>
+          </p:nvSpPr>
+          <p:spPr bwMode="auto">
+            <a:xfrm>
+              <a:off x="9235014" y="10367"/>
+              <a:ext cx="2951163" cy="2555325"/>
+            </a:xfrm>
+            <a:custGeom>
+              <a:avLst/>
+              <a:gdLst>
+                <a:gd name="T0" fmla="*/ 620 w 620"/>
+                <a:gd name="T1" fmla="*/ 536 h 536"/>
+                <a:gd name="T2" fmla="*/ 0 w 620"/>
+                <a:gd name="T3" fmla="*/ 0 h 536"/>
+              </a:gdLst>
+              <a:ahLst/>
+              <a:cxnLst>
+                <a:cxn ang="0">
+                  <a:pos x="T0" y="T1"/>
+                </a:cxn>
+                <a:cxn ang="0">
+                  <a:pos x="T2" y="T3"/>
+                </a:cxn>
+              </a:cxnLst>
+              <a:rect l="0" t="0" r="r" b="b"/>
+              <a:pathLst>
+                <a:path w="620" h="536">
+                  <a:moveTo>
+                    <a:pt x="620" y="536"/>
+                  </a:moveTo>
+                  <a:cubicBezTo>
+                    <a:pt x="404" y="314"/>
+                    <a:pt x="196" y="138"/>
+                    <a:pt x="0" y="0"/>
+                  </a:cubicBezTo>
+                </a:path>
+              </a:pathLst>
+            </a:custGeom>
+            <a:noFill/>
+            <a:ln w="9525" cap="flat">
+              <a:solidFill>
+                <a:schemeClr val="tx1">
+                  <a:alpha val="20000"/>
+                </a:schemeClr>
+              </a:solidFill>
+              <a:prstDash val="solid"/>
+              <a:miter lim="800000"/>
+              <a:headEnd/>
+              <a:tailEnd/>
+            </a:ln>
+            <a:extLst>
+              <a:ext uri="{909E8E84-426E-40DD-AFC4-6F175D3DCCD1}">
+                <a14:hiddenFill xmlns:a14="http://schemas.microsoft.com/office/drawing/2010/main">
+                  <a:solidFill>
+                    <a:srgbClr val="FFFFFF"/>
+                  </a:solidFill>
+                </a14:hiddenFill>
+              </a:ext>
+            </a:extLst>
+          </p:spPr>
+          <p:txBody>
+            <a:bodyPr vert="horz" wrap="square" lIns="91440" tIns="45720" rIns="91440" bIns="45720" numCol="1" anchor="t" anchorCtr="0" compatLnSpc="1">
+              <a:prstTxWarp prst="textNoShape">
+                <a:avLst/>
+              </a:prstTxWarp>
+            </a:bodyPr>
+            <a:lstStyle/>
+            <a:p>
+              <a:endParaRPr lang="en-US"/>
+            </a:p>
+          </p:txBody>
+        </p:sp>
+        <p:sp>
+          <p:nvSpPr>
+            <p:cNvPr id="56" name="Freeform 22">
+              <a:extLst>
+                <a:ext uri="{FF2B5EF4-FFF2-40B4-BE49-F238E27FC236}">
+                  <a16:creationId xmlns:a16="http://schemas.microsoft.com/office/drawing/2014/main" id="{622F5B4E-EBC2-4021-A986-B40B49442B72}"/>
+                </a:ext>
+                <a:ext uri="{C183D7F6-B498-43B3-948B-1728B52AA6E4}">
+                  <adec:decorative xmlns:adec="http://schemas.microsoft.com/office/drawing/2017/decorative" val="1"/>
+                </a:ext>
+              </a:extLst>
+            </p:cNvPr>
+            <p:cNvSpPr>
+              <a:spLocks/>
+            </p:cNvSpPr>
+            <p:nvPr>
+              <p:extLst>
+                <p:ext uri="{386F3935-93C4-4BCD-93E2-E3B085C9AB24}">
+                  <p16:designElem xmlns:p16="http://schemas.microsoft.com/office/powerpoint/2015/main" val="1"/>
+                </p:ext>
+              </p:extLst>
+            </p:nvPr>
+          </p:nvSpPr>
+          <p:spPr bwMode="auto">
+            <a:xfrm>
+              <a:off x="10020826" y="5579"/>
+              <a:ext cx="2165350" cy="1358265"/>
+            </a:xfrm>
+            <a:custGeom>
+              <a:avLst/>
+              <a:gdLst>
+                <a:gd name="T0" fmla="*/ 0 w 455"/>
+                <a:gd name="T1" fmla="*/ 0 h 285"/>
+                <a:gd name="T2" fmla="*/ 455 w 455"/>
+                <a:gd name="T3" fmla="*/ 285 h 285"/>
+              </a:gdLst>
+              <a:ahLst/>
+              <a:cxnLst>
+                <a:cxn ang="0">
+                  <a:pos x="T0" y="T1"/>
+                </a:cxn>
+                <a:cxn ang="0">
+                  <a:pos x="T2" y="T3"/>
+                </a:cxn>
+              </a:cxnLst>
+              <a:rect l="0" t="0" r="r" b="b"/>
+              <a:pathLst>
+                <a:path w="455" h="285">
+                  <a:moveTo>
+                    <a:pt x="0" y="0"/>
+                  </a:moveTo>
+                  <a:cubicBezTo>
+                    <a:pt x="153" y="85"/>
+                    <a:pt x="308" y="180"/>
+                    <a:pt x="455" y="285"/>
+                  </a:cubicBezTo>
+                </a:path>
+              </a:pathLst>
+            </a:custGeom>
+            <a:noFill/>
+            <a:ln w="9525" cap="flat">
+              <a:solidFill>
+                <a:schemeClr val="tx1">
+                  <a:alpha val="20000"/>
+                </a:schemeClr>
+              </a:solidFill>
+              <a:prstDash val="dash"/>
+              <a:miter lim="800000"/>
+              <a:headEnd/>
+              <a:tailEnd/>
+            </a:ln>
+            <a:extLst>
+              <a:ext uri="{909E8E84-426E-40DD-AFC4-6F175D3DCCD1}">
+                <a14:hiddenFill xmlns:a14="http://schemas.microsoft.com/office/drawing/2010/main">
+                  <a:solidFill>
+                    <a:srgbClr val="FFFFFF"/>
+                  </a:solidFill>
+                </a14:hiddenFill>
+              </a:ext>
+            </a:extLst>
+          </p:spPr>
+          <p:txBody>
+            <a:bodyPr vert="horz" wrap="square" lIns="91440" tIns="45720" rIns="91440" bIns="45720" numCol="1" anchor="t" anchorCtr="0" compatLnSpc="1">
+              <a:prstTxWarp prst="textNoShape">
+                <a:avLst/>
+              </a:prstTxWarp>
+            </a:bodyPr>
+            <a:lstStyle/>
+            <a:p>
+              <a:endParaRPr lang="en-US"/>
+            </a:p>
+          </p:txBody>
+        </p:sp>
+        <p:sp>
+          <p:nvSpPr>
+            <p:cNvPr id="57" name="Freeform 23">
+              <a:extLst>
+                <a:ext uri="{FF2B5EF4-FFF2-40B4-BE49-F238E27FC236}">
+                  <a16:creationId xmlns:a16="http://schemas.microsoft.com/office/drawing/2014/main" id="{A1450C78-508B-412D-8354-C6AE7E9F939B}"/>
+                </a:ext>
+                <a:ext uri="{C183D7F6-B498-43B3-948B-1728B52AA6E4}">
+                  <adec:decorative xmlns:adec="http://schemas.microsoft.com/office/drawing/2017/decorative" val="1"/>
+                </a:ext>
+              </a:extLst>
+            </p:cNvPr>
+            <p:cNvSpPr>
+              <a:spLocks/>
+            </p:cNvSpPr>
+            <p:nvPr>
+              <p:extLst>
+                <p:ext uri="{386F3935-93C4-4BCD-93E2-E3B085C9AB24}">
+                  <p16:designElem xmlns:p16="http://schemas.microsoft.com/office/powerpoint/2015/main" val="1"/>
+                </p:ext>
+              </p:extLst>
+            </p:nvPr>
+          </p:nvSpPr>
+          <p:spPr bwMode="auto">
+            <a:xfrm>
+              <a:off x="11290826" y="5579"/>
+              <a:ext cx="895350" cy="534687"/>
+            </a:xfrm>
+            <a:custGeom>
+              <a:avLst/>
+              <a:gdLst>
+                <a:gd name="T0" fmla="*/ 0 w 188"/>
+                <a:gd name="T1" fmla="*/ 0 h 112"/>
+                <a:gd name="T2" fmla="*/ 188 w 188"/>
+                <a:gd name="T3" fmla="*/ 112 h 112"/>
+              </a:gdLst>
+              <a:ahLst/>
+              <a:cxnLst>
+                <a:cxn ang="0">
+                  <a:pos x="T0" y="T1"/>
+                </a:cxn>
+                <a:cxn ang="0">
+                  <a:pos x="T2" y="T3"/>
+                </a:cxn>
+              </a:cxnLst>
+              <a:rect l="0" t="0" r="r" b="b"/>
+              <a:pathLst>
+                <a:path w="188" h="112">
+                  <a:moveTo>
+                    <a:pt x="0" y="0"/>
+                  </a:moveTo>
+                  <a:cubicBezTo>
+                    <a:pt x="63" y="36"/>
+                    <a:pt x="126" y="73"/>
+                    <a:pt x="188" y="112"/>
+                  </a:cubicBezTo>
+                </a:path>
+              </a:pathLst>
+            </a:custGeom>
+            <a:noFill/>
+            <a:ln w="9525" cap="flat">
+              <a:solidFill>
+                <a:schemeClr val="tx1">
+                  <a:alpha val="20000"/>
+                </a:schemeClr>
+              </a:solidFill>
+              <a:prstDash val="solid"/>
+              <a:miter lim="800000"/>
+              <a:headEnd/>
+              <a:tailEnd/>
+            </a:ln>
+            <a:extLst>
+              <a:ext uri="{909E8E84-426E-40DD-AFC4-6F175D3DCCD1}">
+                <a14:hiddenFill xmlns:a14="http://schemas.microsoft.com/office/drawing/2010/main">
+                  <a:solidFill>
+                    <a:srgbClr val="FFFFFF"/>
+                  </a:solidFill>
+                </a14:hiddenFill>
+              </a:ext>
+            </a:extLst>
+          </p:spPr>
+          <p:txBody>
+            <a:bodyPr vert="horz" wrap="square" lIns="91440" tIns="45720" rIns="91440" bIns="45720" numCol="1" anchor="t" anchorCtr="0" compatLnSpc="1">
+              <a:prstTxWarp prst="textNoShape">
+                <a:avLst/>
+              </a:prstTxWarp>
+            </a:bodyPr>
+            <a:lstStyle/>
+            <a:p>
+              <a:endParaRPr lang="en-US"/>
+            </a:p>
+          </p:txBody>
+        </p:sp>
+      </p:grpSp>
+      <p:grpSp>
+        <p:nvGrpSpPr>
+          <p:cNvPr id="59" name="Group 58">
+            <a:extLst>
+              <a:ext uri="{FF2B5EF4-FFF2-40B4-BE49-F238E27FC236}">
+                <a16:creationId xmlns:a16="http://schemas.microsoft.com/office/drawing/2014/main" id="{0D2C6055-EB42-4E7C-B358-308A54C713E3}"/>
+              </a:ext>
+              <a:ext uri="{C183D7F6-B498-43B3-948B-1728B52AA6E4}">
+                <adec:decorative xmlns:adec="http://schemas.microsoft.com/office/drawing/2017/decorative" val="1"/>
+              </a:ext>
+            </a:extLst>
+          </p:cNvPr>
+          <p:cNvGrpSpPr>
+            <a:grpSpLocks noGrp="1" noUngrp="1" noRot="1" noChangeAspect="1" noMove="1" noResize="1"/>
+          </p:cNvGrpSpPr>
+          <p:nvPr>
+            <p:extLst>
+              <p:ext uri="{386F3935-93C4-4BCD-93E2-E3B085C9AB24}">
+                <p16:designElem xmlns:p16="http://schemas.microsoft.com/office/powerpoint/2015/main" val="1"/>
+              </p:ext>
+            </p:extLst>
+          </p:nvPr>
+        </p:nvGrpSpPr>
+        <p:grpSpPr>
+          <a:xfrm>
+            <a:off x="807084" y="1186483"/>
+            <a:ext cx="3822597" cy="4477933"/>
+            <a:chOff x="807084" y="1186483"/>
+            <a:chExt cx="3822597" cy="4477933"/>
+          </a:xfrm>
+        </p:grpSpPr>
+        <p:sp>
+          <p:nvSpPr>
+            <p:cNvPr id="60" name="Rectangle 59">
+              <a:extLst>
+                <a:ext uri="{FF2B5EF4-FFF2-40B4-BE49-F238E27FC236}">
+                  <a16:creationId xmlns:a16="http://schemas.microsoft.com/office/drawing/2014/main" id="{8A0384A8-C4E8-407C-BD44-2B989327E070}"/>
+                </a:ext>
+                <a:ext uri="{C183D7F6-B498-43B3-948B-1728B52AA6E4}">
+                  <adec:decorative xmlns:adec="http://schemas.microsoft.com/office/drawing/2017/decorative" val="1"/>
+                </a:ext>
+              </a:extLst>
+            </p:cNvPr>
+            <p:cNvSpPr/>
+            <p:nvPr>
+              <p:extLst>
+                <p:ext uri="{386F3935-93C4-4BCD-93E2-E3B085C9AB24}">
+                  <p16:designElem xmlns:p16="http://schemas.microsoft.com/office/powerpoint/2015/main" val="1"/>
+                </p:ext>
+              </p:extLst>
+            </p:nvPr>
+          </p:nvSpPr>
+          <p:spPr>
+            <a:xfrm>
+              <a:off x="807531" y="1186483"/>
+              <a:ext cx="3821702" cy="716184"/>
+            </a:xfrm>
+            <a:prstGeom prst="rect">
+              <a:avLst/>
+            </a:prstGeom>
+            <a:solidFill>
+              <a:schemeClr val="accent1"/>
+            </a:solidFill>
+            <a:ln>
+              <a:noFill/>
+            </a:ln>
+          </p:spPr>
+          <p:style>
+            <a:lnRef idx="2">
+              <a:schemeClr val="accent1">
+                <a:shade val="50000"/>
+              </a:schemeClr>
+            </a:lnRef>
+            <a:fillRef idx="1">
+              <a:schemeClr val="accent1"/>
+            </a:fillRef>
+            <a:effectRef idx="0">
+              <a:schemeClr val="accent1"/>
+            </a:effectRef>
+            <a:fontRef idx="minor">
+              <a:schemeClr val="lt1"/>
+            </a:fontRef>
+          </p:style>
+          <p:txBody>
+            <a:bodyPr rtlCol="0" anchor="ctr"/>
+            <a:lstStyle/>
+            <a:p>
+              <a:pPr algn="ctr"/>
+              <a:endParaRPr lang="en-US"/>
+            </a:p>
+          </p:txBody>
+        </p:sp>
+        <p:sp>
+          <p:nvSpPr>
+            <p:cNvPr id="61" name="Isosceles Triangle 39">
+              <a:extLst>
+                <a:ext uri="{FF2B5EF4-FFF2-40B4-BE49-F238E27FC236}">
+                  <a16:creationId xmlns:a16="http://schemas.microsoft.com/office/drawing/2014/main" id="{B7F9FA9E-2650-4B17-BA91-C12C0C5F9D96}"/>
+                </a:ext>
+                <a:ext uri="{C183D7F6-B498-43B3-948B-1728B52AA6E4}">
+                  <adec:decorative xmlns:adec="http://schemas.microsoft.com/office/drawing/2017/decorative" val="1"/>
+                </a:ext>
+              </a:extLst>
+            </p:cNvPr>
+            <p:cNvSpPr/>
+            <p:nvPr>
+              <p:extLst>
+                <p:ext uri="{386F3935-93C4-4BCD-93E2-E3B085C9AB24}">
+                  <p16:designElem xmlns:p16="http://schemas.microsoft.com/office/powerpoint/2015/main" val="1"/>
+                </p:ext>
+              </p:extLst>
+            </p:nvPr>
+          </p:nvSpPr>
+          <p:spPr>
+            <a:xfrm rot="10800000">
+              <a:off x="2514766" y="5313353"/>
+              <a:ext cx="407233" cy="351063"/>
+            </a:xfrm>
+            <a:prstGeom prst="triangle">
+              <a:avLst/>
+            </a:prstGeom>
+            <a:solidFill>
+              <a:schemeClr val="accent1"/>
+            </a:solidFill>
+            <a:ln>
+              <a:noFill/>
+            </a:ln>
+          </p:spPr>
+          <p:style>
+            <a:lnRef idx="2">
+              <a:schemeClr val="accent1">
+                <a:shade val="50000"/>
+              </a:schemeClr>
+            </a:lnRef>
+            <a:fillRef idx="1">
+              <a:schemeClr val="accent1"/>
+            </a:fillRef>
+            <a:effectRef idx="0">
+              <a:schemeClr val="accent1"/>
+            </a:effectRef>
+            <a:fontRef idx="minor">
+              <a:schemeClr val="lt1"/>
+            </a:fontRef>
+          </p:style>
+          <p:txBody>
+            <a:bodyPr rtlCol="0" anchor="ctr"/>
+            <a:lstStyle/>
+            <a:p>
+              <a:pPr algn="ctr"/>
+              <a:endParaRPr lang="en-US"/>
+            </a:p>
+          </p:txBody>
+        </p:sp>
+        <p:sp>
+          <p:nvSpPr>
+            <p:cNvPr id="62" name="Rectangle 61">
+              <a:extLst>
+                <a:ext uri="{FF2B5EF4-FFF2-40B4-BE49-F238E27FC236}">
+                  <a16:creationId xmlns:a16="http://schemas.microsoft.com/office/drawing/2014/main" id="{E96B943E-BAEE-4DC2-87CB-78F6E433D5CB}"/>
+                </a:ext>
+                <a:ext uri="{C183D7F6-B498-43B3-948B-1728B52AA6E4}">
+                  <adec:decorative xmlns:adec="http://schemas.microsoft.com/office/drawing/2017/decorative" val="1"/>
+                </a:ext>
+              </a:extLst>
+            </p:cNvPr>
+            <p:cNvSpPr/>
+            <p:nvPr>
+              <p:extLst>
+                <p:ext uri="{386F3935-93C4-4BCD-93E2-E3B085C9AB24}">
+                  <p16:designElem xmlns:p16="http://schemas.microsoft.com/office/powerpoint/2015/main" val="1"/>
+                </p:ext>
+              </p:extLst>
+            </p:nvPr>
+          </p:nvSpPr>
+          <p:spPr>
+            <a:xfrm>
+              <a:off x="807084" y="1991156"/>
+              <a:ext cx="3822597" cy="3322196"/>
+            </a:xfrm>
+            <a:prstGeom prst="rect">
+              <a:avLst/>
+            </a:prstGeom>
+            <a:solidFill>
+              <a:schemeClr val="accent1"/>
+            </a:solidFill>
+            <a:ln>
+              <a:noFill/>
+            </a:ln>
+          </p:spPr>
+          <p:style>
+            <a:lnRef idx="2">
+              <a:schemeClr val="accent1">
+                <a:shade val="50000"/>
+              </a:schemeClr>
+            </a:lnRef>
+            <a:fillRef idx="1">
+              <a:schemeClr val="accent1"/>
+            </a:fillRef>
+            <a:effectRef idx="0">
+              <a:schemeClr val="accent1"/>
+            </a:effectRef>
+            <a:fontRef idx="minor">
+              <a:schemeClr val="lt1"/>
+            </a:fontRef>
+          </p:style>
+          <p:txBody>
+            <a:bodyPr rtlCol="0" anchor="ctr"/>
+            <a:lstStyle/>
+            <a:p>
+              <a:pPr algn="ctr"/>
+              <a:endParaRPr lang="en-US"/>
+            </a:p>
+          </p:txBody>
+        </p:sp>
+      </p:grpSp>
       <p:sp>
         <p:nvSpPr>
           <p:cNvPr id="2" name="Titre 1">
@@ -17732,43 +21634,62 @@
             <p:ph type="title"/>
           </p:nvPr>
         </p:nvSpPr>
-        <p:spPr/>
+        <p:spPr>
+          <a:xfrm>
+            <a:off x="895415" y="2075504"/>
+            <a:ext cx="3654569" cy="2042725"/>
+          </a:xfrm>
+        </p:spPr>
         <p:txBody>
-          <a:bodyPr/>
+          <a:bodyPr vert="horz" lIns="228600" tIns="228600" rIns="228600" bIns="0" rtlCol="0" anchor="b">
+            <a:normAutofit/>
+          </a:bodyPr>
           <a:lstStyle/>
           <a:p>
+            <a:pPr>
+              <a:lnSpc>
+                <a:spcPct val="80000"/>
+              </a:lnSpc>
+            </a:pPr>
             <a:r>
-              <a:rPr lang="fr-FR" dirty="0"/>
+              <a:rPr lang="en-US" sz="5400"/>
               <a:t>Introduction</a:t>
             </a:r>
           </a:p>
         </p:txBody>
       </p:sp>
-      <p:sp>
-        <p:nvSpPr>
-          <p:cNvPr id="3" name="Espace réservé du contenu 2">
+      <p:pic>
+        <p:nvPicPr>
+          <p:cNvPr id="5" name="Image 4">
             <a:extLst>
               <a:ext uri="{FF2B5EF4-FFF2-40B4-BE49-F238E27FC236}">
-                <a16:creationId xmlns:a16="http://schemas.microsoft.com/office/drawing/2014/main" id="{348C4530-8CFE-409F-B3DD-C638E2066EA0}"/>
+                <a16:creationId xmlns:a16="http://schemas.microsoft.com/office/drawing/2014/main" id="{4E0CD05A-1A33-40AA-BBE3-84E35FA78B5B}"/>
               </a:ext>
             </a:extLst>
           </p:cNvPr>
-          <p:cNvSpPr>
-            <a:spLocks noGrp="1"/>
-          </p:cNvSpPr>
-          <p:nvPr>
-            <p:ph idx="1"/>
-          </p:nvPr>
-        </p:nvSpPr>
-        <p:spPr/>
-        <p:txBody>
-          <a:bodyPr/>
-          <a:lstStyle/>
-          <a:p>
-            <a:endParaRPr lang="fr-FR"/>
-          </a:p>
-        </p:txBody>
-      </p:sp>
+          <p:cNvPicPr>
+            <a:picLocks noChangeAspect="1"/>
+          </p:cNvPicPr>
+          <p:nvPr/>
+        </p:nvPicPr>
+        <p:blipFill rotWithShape="1">
+          <a:blip r:embed="rId2"/>
+          <a:srcRect r="1978"/>
+          <a:stretch/>
+        </p:blipFill>
+        <p:spPr>
+          <a:xfrm>
+            <a:off x="5446972" y="227"/>
+            <a:ext cx="6745028" cy="6858000"/>
+          </a:xfrm>
+          <a:prstGeom prst="rect">
+            <a:avLst/>
+          </a:prstGeom>
+          <a:ln w="9525">
+            <a:noFill/>
+          </a:ln>
+        </p:spPr>
+      </p:pic>
     </p:spTree>
     <p:extLst>
       <p:ext uri="{BB962C8B-B14F-4D97-AF65-F5344CB8AC3E}">
@@ -17779,13 +21700,13 @@
   <p:clrMapOvr>
     <a:masterClrMapping/>
   </p:clrMapOvr>
-  <mc:AlternateContent xmlns:mc="http://schemas.openxmlformats.org/markup-compatibility/2006">
-    <mc:Choice xmlns:p159="http://schemas.microsoft.com/office/powerpoint/2015/09/main" Requires="p159">
+  <mc:AlternateContent xmlns:mc="http://schemas.openxmlformats.org/markup-compatibility/2006" xmlns:p159="http://schemas.microsoft.com/office/powerpoint/2015/09/main">
+    <mc:Choice Requires="p159">
       <p:transition xmlns:p14="http://schemas.microsoft.com/office/powerpoint/2010/main" spd="slow" p14:dur="2000">
         <p159:morph option="byObject"/>
       </p:transition>
     </mc:Choice>
-    <mc:Fallback>
+    <mc:Fallback xmlns="">
       <p:transition spd="slow">
         <p:fade/>
       </p:transition>
@@ -17903,13 +21824,13 @@
   <p:clrMapOvr>
     <a:masterClrMapping/>
   </p:clrMapOvr>
-  <mc:AlternateContent xmlns:mc="http://schemas.openxmlformats.org/markup-compatibility/2006">
-    <mc:Choice xmlns:p159="http://schemas.microsoft.com/office/powerpoint/2015/09/main" Requires="p159">
+  <mc:AlternateContent xmlns:mc="http://schemas.openxmlformats.org/markup-compatibility/2006" xmlns:p159="http://schemas.microsoft.com/office/powerpoint/2015/09/main">
+    <mc:Choice Requires="p159">
       <p:transition xmlns:p14="http://schemas.microsoft.com/office/powerpoint/2010/main" spd="slow" p14:dur="2000">
         <p159:morph option="byObject"/>
       </p:transition>
     </mc:Choice>
-    <mc:Fallback>
+    <mc:Fallback xmlns="">
       <p:transition spd="slow">
         <p:fade/>
       </p:transition>
@@ -21990,13 +25911,13 @@
   <p:clrMapOvr>
     <a:masterClrMapping/>
   </p:clrMapOvr>
-  <mc:AlternateContent xmlns:mc="http://schemas.openxmlformats.org/markup-compatibility/2006">
-    <mc:Choice xmlns:p159="http://schemas.microsoft.com/office/powerpoint/2015/09/main" Requires="p159">
+  <mc:AlternateContent xmlns:mc="http://schemas.openxmlformats.org/markup-compatibility/2006" xmlns:p159="http://schemas.microsoft.com/office/powerpoint/2015/09/main">
+    <mc:Choice Requires="p159">
       <p:transition xmlns:p14="http://schemas.microsoft.com/office/powerpoint/2010/main" spd="slow" p14:dur="2000">
         <p159:morph option="byObject"/>
       </p:transition>
     </mc:Choice>
-    <mc:Fallback>
+    <mc:Fallback xmlns="">
       <p:transition spd="slow">
         <p:fade/>
       </p:transition>
@@ -22052,31 +25973,36 @@
           </a:p>
         </p:txBody>
       </p:sp>
-      <p:sp>
-        <p:nvSpPr>
-          <p:cNvPr id="10" name="Espace réservé du contenu 9">
+      <p:pic>
+        <p:nvPicPr>
+          <p:cNvPr id="6" name="Image 5">
             <a:extLst>
               <a:ext uri="{FF2B5EF4-FFF2-40B4-BE49-F238E27FC236}">
-                <a16:creationId xmlns:a16="http://schemas.microsoft.com/office/drawing/2014/main" id="{045CD991-3494-4D72-AF8D-8C5044CAA5C4}"/>
+                <a16:creationId xmlns:a16="http://schemas.microsoft.com/office/drawing/2014/main" id="{4AB9DEC7-72D2-4D56-B479-F172FD96A97D}"/>
               </a:ext>
             </a:extLst>
           </p:cNvPr>
-          <p:cNvSpPr>
-            <a:spLocks noGrp="1"/>
-          </p:cNvSpPr>
-          <p:nvPr>
-            <p:ph idx="1"/>
-          </p:nvPr>
-        </p:nvSpPr>
-        <p:spPr/>
-        <p:txBody>
-          <a:bodyPr/>
-          <a:lstStyle/>
-          <a:p>
-            <a:endParaRPr lang="fr-FR"/>
-          </a:p>
-        </p:txBody>
-      </p:sp>
+          <p:cNvPicPr>
+            <a:picLocks noChangeAspect="1"/>
+          </p:cNvPicPr>
+          <p:nvPr/>
+        </p:nvPicPr>
+        <p:blipFill>
+          <a:blip r:embed="rId2"/>
+          <a:stretch>
+            <a:fillRect/>
+          </a:stretch>
+        </p:blipFill>
+        <p:spPr>
+          <a:xfrm>
+            <a:off x="5311739" y="1620752"/>
+            <a:ext cx="6227542" cy="3382761"/>
+          </a:xfrm>
+          <a:prstGeom prst="rect">
+            <a:avLst/>
+          </a:prstGeom>
+        </p:spPr>
+      </p:pic>
     </p:spTree>
     <p:extLst>
       <p:ext uri="{BB962C8B-B14F-4D97-AF65-F5344CB8AC3E}">
@@ -22087,13 +26013,13 @@
   <p:clrMapOvr>
     <a:masterClrMapping/>
   </p:clrMapOvr>
-  <mc:AlternateContent xmlns:mc="http://schemas.openxmlformats.org/markup-compatibility/2006">
-    <mc:Choice xmlns:p159="http://schemas.microsoft.com/office/powerpoint/2015/09/main" Requires="p159">
+  <mc:AlternateContent xmlns:mc="http://schemas.openxmlformats.org/markup-compatibility/2006" xmlns:p159="http://schemas.microsoft.com/office/powerpoint/2015/09/main">
+    <mc:Choice Requires="p159">
       <p:transition xmlns:p14="http://schemas.microsoft.com/office/powerpoint/2010/main" spd="slow" p14:dur="2000">
         <p159:morph option="byObject"/>
       </p:transition>
     </mc:Choice>
-    <mc:Fallback>
+    <mc:Fallback xmlns="">
       <p:transition spd="slow">
         <p:fade/>
       </p:transition>
@@ -22182,13 +26108,13 @@
   <p:clrMapOvr>
     <a:masterClrMapping/>
   </p:clrMapOvr>
-  <mc:AlternateContent xmlns:mc="http://schemas.openxmlformats.org/markup-compatibility/2006">
-    <mc:Choice xmlns:p159="http://schemas.microsoft.com/office/powerpoint/2015/09/main" Requires="p159">
+  <mc:AlternateContent xmlns:mc="http://schemas.openxmlformats.org/markup-compatibility/2006" xmlns:p159="http://schemas.microsoft.com/office/powerpoint/2015/09/main">
+    <mc:Choice Requires="p159">
       <p:transition xmlns:p14="http://schemas.microsoft.com/office/powerpoint/2010/main" spd="slow" p14:dur="2000">
         <p159:morph option="byObject"/>
       </p:transition>
     </mc:Choice>
-    <mc:Fallback>
+    <mc:Fallback xmlns="">
       <p:transition spd="slow">
         <p:fade/>
       </p:transition>

--- a/documents/Zeldiablo_muller742u_Huet41u_Bouillo15u_etchevar1u.pptx
+++ b/documents/Zeldiablo_muller742u_Huet41u_Bouillo15u_etchevar1u.pptx
@@ -21797,7 +21797,7 @@
             </a:r>
             <a:r>
               <a:rPr lang="fr-FR" dirty="0"/>
-              <a:t>, case a effet, case piège</a:t>
+              <a:t>, case a effet, case piège, création des monstres</a:t>
             </a:r>
           </a:p>
           <a:p>
@@ -26003,6 +26003,36 @@
           </a:prstGeom>
         </p:spPr>
       </p:pic>
+      <p:pic>
+        <p:nvPicPr>
+          <p:cNvPr id="4" name="Image 3">
+            <a:extLst>
+              <a:ext uri="{FF2B5EF4-FFF2-40B4-BE49-F238E27FC236}">
+                <a16:creationId xmlns:a16="http://schemas.microsoft.com/office/drawing/2014/main" id="{0871C11A-AE06-4A6D-99FB-CE7042464EAC}"/>
+              </a:ext>
+            </a:extLst>
+          </p:cNvPr>
+          <p:cNvPicPr>
+            <a:picLocks noChangeAspect="1"/>
+          </p:cNvPicPr>
+          <p:nvPr/>
+        </p:nvPicPr>
+        <p:blipFill>
+          <a:blip r:embed="rId3"/>
+          <a:stretch>
+            <a:fillRect/>
+          </a:stretch>
+        </p:blipFill>
+        <p:spPr>
+          <a:xfrm>
+            <a:off x="5703869" y="413461"/>
+            <a:ext cx="5572561" cy="5771581"/>
+          </a:xfrm>
+          <a:prstGeom prst="rect">
+            <a:avLst/>
+          </a:prstGeom>
+        </p:spPr>
+      </p:pic>
     </p:spTree>
     <p:extLst>
       <p:ext uri="{BB962C8B-B14F-4D97-AF65-F5344CB8AC3E}">
@@ -26025,6 +26055,172 @@
       </p:transition>
     </mc:Fallback>
   </mc:AlternateContent>
+  <p:timing>
+    <p:tnLst>
+      <p:par>
+        <p:cTn id="1" dur="indefinite" restart="never" nodeType="tmRoot">
+          <p:childTnLst>
+            <p:seq concurrent="1" nextAc="seek">
+              <p:cTn id="2" dur="indefinite" nodeType="mainSeq">
+                <p:childTnLst>
+                  <p:par>
+                    <p:cTn id="3" fill="hold">
+                      <p:stCondLst>
+                        <p:cond delay="indefinite"/>
+                        <p:cond evt="onBegin" delay="0">
+                          <p:tn val="2"/>
+                        </p:cond>
+                      </p:stCondLst>
+                      <p:childTnLst>
+                        <p:par>
+                          <p:cTn id="4" fill="hold">
+                            <p:stCondLst>
+                              <p:cond delay="0"/>
+                            </p:stCondLst>
+                            <p:childTnLst>
+                              <p:par>
+                                <p:cTn id="5" presetID="1" presetClass="entr" presetSubtype="0" fill="hold" nodeType="withEffect">
+                                  <p:stCondLst>
+                                    <p:cond delay="0"/>
+                                  </p:stCondLst>
+                                  <p:childTnLst>
+                                    <p:set>
+                                      <p:cBhvr>
+                                        <p:cTn id="6" dur="1" fill="hold">
+                                          <p:stCondLst>
+                                            <p:cond delay="0"/>
+                                          </p:stCondLst>
+                                        </p:cTn>
+                                        <p:tgtEl>
+                                          <p:spTgt spid="6"/>
+                                        </p:tgtEl>
+                                        <p:attrNameLst>
+                                          <p:attrName>style.visibility</p:attrName>
+                                        </p:attrNameLst>
+                                      </p:cBhvr>
+                                      <p:to>
+                                        <p:strVal val="visible"/>
+                                      </p:to>
+                                    </p:set>
+                                  </p:childTnLst>
+                                </p:cTn>
+                              </p:par>
+                            </p:childTnLst>
+                          </p:cTn>
+                        </p:par>
+                      </p:childTnLst>
+                    </p:cTn>
+                  </p:par>
+                  <p:par>
+                    <p:cTn id="7" fill="hold">
+                      <p:stCondLst>
+                        <p:cond delay="indefinite"/>
+                      </p:stCondLst>
+                      <p:childTnLst>
+                        <p:par>
+                          <p:cTn id="8" fill="hold">
+                            <p:stCondLst>
+                              <p:cond delay="0"/>
+                            </p:stCondLst>
+                            <p:childTnLst>
+                              <p:par>
+                                <p:cTn id="9" presetID="10" presetClass="exit" presetSubtype="0" fill="hold" nodeType="clickEffect">
+                                  <p:stCondLst>
+                                    <p:cond delay="0"/>
+                                  </p:stCondLst>
+                                  <p:childTnLst>
+                                    <p:animEffect transition="out" filter="fade">
+                                      <p:cBhvr>
+                                        <p:cTn id="10" dur="500"/>
+                                        <p:tgtEl>
+                                          <p:spTgt spid="6"/>
+                                        </p:tgtEl>
+                                      </p:cBhvr>
+                                    </p:animEffect>
+                                    <p:set>
+                                      <p:cBhvr>
+                                        <p:cTn id="11" dur="1" fill="hold">
+                                          <p:stCondLst>
+                                            <p:cond delay="499"/>
+                                          </p:stCondLst>
+                                        </p:cTn>
+                                        <p:tgtEl>
+                                          <p:spTgt spid="6"/>
+                                        </p:tgtEl>
+                                        <p:attrNameLst>
+                                          <p:attrName>style.visibility</p:attrName>
+                                        </p:attrNameLst>
+                                      </p:cBhvr>
+                                      <p:to>
+                                        <p:strVal val="hidden"/>
+                                      </p:to>
+                                    </p:set>
+                                  </p:childTnLst>
+                                </p:cTn>
+                              </p:par>
+                              <p:par>
+                                <p:cTn id="12" presetID="10" presetClass="entr" presetSubtype="0" fill="hold" nodeType="withEffect">
+                                  <p:stCondLst>
+                                    <p:cond delay="0"/>
+                                  </p:stCondLst>
+                                  <p:childTnLst>
+                                    <p:set>
+                                      <p:cBhvr>
+                                        <p:cTn id="13" dur="1" fill="hold">
+                                          <p:stCondLst>
+                                            <p:cond delay="0"/>
+                                          </p:stCondLst>
+                                        </p:cTn>
+                                        <p:tgtEl>
+                                          <p:spTgt spid="4"/>
+                                        </p:tgtEl>
+                                        <p:attrNameLst>
+                                          <p:attrName>style.visibility</p:attrName>
+                                        </p:attrNameLst>
+                                      </p:cBhvr>
+                                      <p:to>
+                                        <p:strVal val="visible"/>
+                                      </p:to>
+                                    </p:set>
+                                    <p:animEffect transition="in" filter="fade">
+                                      <p:cBhvr>
+                                        <p:cTn id="14" dur="500"/>
+                                        <p:tgtEl>
+                                          <p:spTgt spid="4"/>
+                                        </p:tgtEl>
+                                      </p:cBhvr>
+                                    </p:animEffect>
+                                  </p:childTnLst>
+                                </p:cTn>
+                              </p:par>
+                            </p:childTnLst>
+                          </p:cTn>
+                        </p:par>
+                      </p:childTnLst>
+                    </p:cTn>
+                  </p:par>
+                </p:childTnLst>
+              </p:cTn>
+              <p:prevCondLst>
+                <p:cond evt="onPrev" delay="0">
+                  <p:tgtEl>
+                    <p:sldTgt/>
+                  </p:tgtEl>
+                </p:cond>
+              </p:prevCondLst>
+              <p:nextCondLst>
+                <p:cond evt="onNext" delay="0">
+                  <p:tgtEl>
+                    <p:sldTgt/>
+                  </p:tgtEl>
+                </p:cond>
+              </p:nextCondLst>
+            </p:seq>
+          </p:childTnLst>
+        </p:cTn>
+      </p:par>
+    </p:tnLst>
+  </p:timing>
 </p:sld>
 </file>
 
@@ -26094,7 +26290,25 @@
           <a:bodyPr/>
           <a:lstStyle/>
           <a:p>
-            <a:endParaRPr lang="fr-FR"/>
+            <a:r>
+              <a:rPr lang="fr-FR" dirty="0"/>
+              <a:t>Projet intéressant </a:t>
+            </a:r>
+          </a:p>
+          <a:p>
+            <a:r>
+              <a:rPr lang="fr-FR" dirty="0"/>
+              <a:t>Respect des délais </a:t>
+            </a:r>
+          </a:p>
+          <a:p>
+            <a:r>
+              <a:rPr lang="fr-FR" dirty="0"/>
+              <a:t>Améliorations possibles </a:t>
+            </a:r>
+          </a:p>
+          <a:p>
+            <a:endParaRPr lang="fr-FR" dirty="0"/>
           </a:p>
         </p:txBody>
       </p:sp>

--- a/documents/Zeldiablo_muller742u_Huet41u_Bouillo15u_etchevar1u.pptx
+++ b/documents/Zeldiablo_muller742u_Huet41u_Bouillo15u_etchevar1u.pptx
@@ -17461,7 +17461,7 @@
           <a:p>
             <a:pPr algn="l"/>
             <a:r>
-              <a:rPr lang="fr-FR" sz="2400">
+              <a:rPr lang="fr-FR" sz="2400" dirty="0">
                 <a:solidFill>
                   <a:schemeClr val="tx1"/>
                 </a:solidFill>
@@ -17472,7 +17472,7 @@
           <a:p>
             <a:pPr algn="l"/>
             <a:r>
-              <a:rPr lang="fr-FR" sz="2400">
+              <a:rPr lang="fr-FR" sz="2400" dirty="0">
                 <a:solidFill>
                   <a:schemeClr val="tx1"/>
                 </a:solidFill>
@@ -17483,24 +17483,37 @@
           <a:p>
             <a:pPr algn="l"/>
             <a:r>
-              <a:rPr lang="fr-FR" sz="2400">
+              <a:rPr lang="fr-FR" sz="2400" dirty="0">
                 <a:solidFill>
                   <a:schemeClr val="tx1"/>
                 </a:solidFill>
               </a:rPr>
-              <a:t>Muller Léo</a:t>
+              <a:t> Léo Muller</a:t>
             </a:r>
           </a:p>
           <a:p>
             <a:pPr algn="l"/>
+            <a:r>
+              <a:rPr lang="fr-FR" sz="2400" dirty="0">
+                <a:solidFill>
+                  <a:schemeClr val="tx1"/>
+                </a:solidFill>
+              </a:rPr>
+              <a:t> </a:t>
+            </a:r>
             <a:r>
               <a:rPr lang="fr-FR" sz="2400">
                 <a:solidFill>
                   <a:schemeClr val="tx1"/>
                 </a:solidFill>
               </a:rPr>
-              <a:t>Etchevarne Hugo</a:t>
+              <a:t>Hugo Etchevarne</a:t>
             </a:r>
+            <a:endParaRPr lang="fr-FR" sz="2400" dirty="0">
+              <a:solidFill>
+                <a:schemeClr val="tx1"/>
+              </a:solidFill>
+            </a:endParaRPr>
           </a:p>
         </p:txBody>
       </p:sp>

--- a/documents/Zeldiablo_muller742u_Huet41u_Bouillo15u_etchevar1u.pptx
+++ b/documents/Zeldiablo_muller742u_Huet41u_Bouillo15u_etchevar1u.pptx
@@ -17499,21 +17499,8 @@
                   <a:schemeClr val="tx1"/>
                 </a:solidFill>
               </a:rPr>
-              <a:t> </a:t>
+              <a:t> Hugo Etchevarne</a:t>
             </a:r>
-            <a:r>
-              <a:rPr lang="fr-FR" sz="2400">
-                <a:solidFill>
-                  <a:schemeClr val="tx1"/>
-                </a:solidFill>
-              </a:rPr>
-              <a:t>Hugo Etchevarne</a:t>
-            </a:r>
-            <a:endParaRPr lang="fr-FR" sz="2400" dirty="0">
-              <a:solidFill>
-                <a:schemeClr val="tx1"/>
-              </a:solidFill>
-            </a:endParaRPr>
           </a:p>
         </p:txBody>
       </p:sp>
